--- a/figures/Developmental_selection_figures.pptx
+++ b/figures/Developmental_selection_figures.pptx
@@ -6,8 +6,8 @@
   </p:sldMasterIdLst>
   <p:sldIdLst>
     <p:sldId id="257" r:id="rId2"/>
-    <p:sldId id="262" r:id="rId3"/>
-    <p:sldId id="258" r:id="rId4"/>
+    <p:sldId id="258" r:id="rId3"/>
+    <p:sldId id="262" r:id="rId4"/>
     <p:sldId id="261" r:id="rId5"/>
   </p:sldIdLst>
   <p:sldSz cx="6400800" cy="9144000"/>
@@ -246,7 +246,7 @@
           <a:p>
             <a:fld id="{BC772BDA-7FB8-BD4E-80FE-8B5C00FCB44B}" type="datetimeFigureOut">
               <a:rPr lang="en-US" smtClean="0"/>
-              <a:t>3/6/25</a:t>
+              <a:t>10/31/25</a:t>
             </a:fld>
             <a:endParaRPr lang="en-US"/>
           </a:p>
@@ -416,7 +416,7 @@
           <a:p>
             <a:fld id="{BC772BDA-7FB8-BD4E-80FE-8B5C00FCB44B}" type="datetimeFigureOut">
               <a:rPr lang="en-US" smtClean="0"/>
-              <a:t>3/6/25</a:t>
+              <a:t>10/31/25</a:t>
             </a:fld>
             <a:endParaRPr lang="en-US"/>
           </a:p>
@@ -596,7 +596,7 @@
           <a:p>
             <a:fld id="{BC772BDA-7FB8-BD4E-80FE-8B5C00FCB44B}" type="datetimeFigureOut">
               <a:rPr lang="en-US" smtClean="0"/>
-              <a:t>3/6/25</a:t>
+              <a:t>10/31/25</a:t>
             </a:fld>
             <a:endParaRPr lang="en-US"/>
           </a:p>
@@ -766,7 +766,7 @@
           <a:p>
             <a:fld id="{BC772BDA-7FB8-BD4E-80FE-8B5C00FCB44B}" type="datetimeFigureOut">
               <a:rPr lang="en-US" smtClean="0"/>
-              <a:t>3/6/25</a:t>
+              <a:t>10/31/25</a:t>
             </a:fld>
             <a:endParaRPr lang="en-US"/>
           </a:p>
@@ -1012,7 +1012,7 @@
           <a:p>
             <a:fld id="{BC772BDA-7FB8-BD4E-80FE-8B5C00FCB44B}" type="datetimeFigureOut">
               <a:rPr lang="en-US" smtClean="0"/>
-              <a:t>3/6/25</a:t>
+              <a:t>10/31/25</a:t>
             </a:fld>
             <a:endParaRPr lang="en-US"/>
           </a:p>
@@ -1244,7 +1244,7 @@
           <a:p>
             <a:fld id="{BC772BDA-7FB8-BD4E-80FE-8B5C00FCB44B}" type="datetimeFigureOut">
               <a:rPr lang="en-US" smtClean="0"/>
-              <a:t>3/6/25</a:t>
+              <a:t>10/31/25</a:t>
             </a:fld>
             <a:endParaRPr lang="en-US"/>
           </a:p>
@@ -1611,7 +1611,7 @@
           <a:p>
             <a:fld id="{BC772BDA-7FB8-BD4E-80FE-8B5C00FCB44B}" type="datetimeFigureOut">
               <a:rPr lang="en-US" smtClean="0"/>
-              <a:t>3/6/25</a:t>
+              <a:t>10/31/25</a:t>
             </a:fld>
             <a:endParaRPr lang="en-US"/>
           </a:p>
@@ -1729,7 +1729,7 @@
           <a:p>
             <a:fld id="{BC772BDA-7FB8-BD4E-80FE-8B5C00FCB44B}" type="datetimeFigureOut">
               <a:rPr lang="en-US" smtClean="0"/>
-              <a:t>3/6/25</a:t>
+              <a:t>10/31/25</a:t>
             </a:fld>
             <a:endParaRPr lang="en-US"/>
           </a:p>
@@ -1824,7 +1824,7 @@
           <a:p>
             <a:fld id="{BC772BDA-7FB8-BD4E-80FE-8B5C00FCB44B}" type="datetimeFigureOut">
               <a:rPr lang="en-US" smtClean="0"/>
-              <a:t>3/6/25</a:t>
+              <a:t>10/31/25</a:t>
             </a:fld>
             <a:endParaRPr lang="en-US"/>
           </a:p>
@@ -2101,7 +2101,7 @@
           <a:p>
             <a:fld id="{BC772BDA-7FB8-BD4E-80FE-8B5C00FCB44B}" type="datetimeFigureOut">
               <a:rPr lang="en-US" smtClean="0"/>
-              <a:t>3/6/25</a:t>
+              <a:t>10/31/25</a:t>
             </a:fld>
             <a:endParaRPr lang="en-US"/>
           </a:p>
@@ -2358,7 +2358,7 @@
           <a:p>
             <a:fld id="{BC772BDA-7FB8-BD4E-80FE-8B5C00FCB44B}" type="datetimeFigureOut">
               <a:rPr lang="en-US" smtClean="0"/>
-              <a:t>3/6/25</a:t>
+              <a:t>10/31/25</a:t>
             </a:fld>
             <a:endParaRPr lang="en-US"/>
           </a:p>
@@ -2571,7 +2571,7 @@
           <a:p>
             <a:fld id="{BC772BDA-7FB8-BD4E-80FE-8B5C00FCB44B}" type="datetimeFigureOut">
               <a:rPr lang="en-US" smtClean="0"/>
-              <a:t>3/6/25</a:t>
+              <a:t>10/31/25</a:t>
             </a:fld>
             <a:endParaRPr lang="en-US"/>
           </a:p>
@@ -2978,10 +2978,10 @@
       </p:grpSpPr>
       <p:pic>
         <p:nvPicPr>
-          <p:cNvPr id="47" name="Picture 46">
-            <a:extLst>
-              <a:ext uri="{FF2B5EF4-FFF2-40B4-BE49-F238E27FC236}">
-                <a16:creationId xmlns:a16="http://schemas.microsoft.com/office/drawing/2014/main" id="{7A9917B2-1934-98E7-663B-E3E5DA3B0B6B}"/>
+          <p:cNvPr id="5" name="Picture 4">
+            <a:extLst>
+              <a:ext uri="{FF2B5EF4-FFF2-40B4-BE49-F238E27FC236}">
+                <a16:creationId xmlns:a16="http://schemas.microsoft.com/office/drawing/2014/main" id="{2417B5FB-236B-7F6B-BEC4-B3CF5B4B1003}"/>
               </a:ext>
             </a:extLst>
           </p:cNvPr>
@@ -2998,7 +2998,7 @@
         </p:blipFill>
         <p:spPr>
           <a:xfrm>
-            <a:off x="1723292" y="339969"/>
+            <a:off x="1740747" y="345440"/>
             <a:ext cx="4572000" cy="3657600"/>
           </a:xfrm>
           <a:prstGeom prst="rect">
@@ -3068,8 +3068,8 @@
           <p:nvPr/>
         </p:nvSpPr>
         <p:spPr>
-          <a:xfrm>
-            <a:off x="2041780" y="1639536"/>
+          <a:xfrm rot="18900000">
+            <a:off x="2055920" y="1738518"/>
             <a:ext cx="306494" cy="184666"/>
           </a:xfrm>
           <a:prstGeom prst="rect">
@@ -3111,8 +3111,8 @@
           <p:nvPr/>
         </p:nvSpPr>
         <p:spPr>
-          <a:xfrm>
-            <a:off x="2021531" y="3377749"/>
+          <a:xfrm rot="18900000">
+            <a:off x="2082805" y="3434309"/>
             <a:ext cx="306494" cy="184666"/>
           </a:xfrm>
           <a:prstGeom prst="rect">
@@ -3155,7 +3155,7 @@
         </p:nvSpPr>
         <p:spPr>
           <a:xfrm>
-            <a:off x="2026646" y="3057607"/>
+            <a:off x="2017220" y="3024613"/>
             <a:ext cx="423514" cy="184666"/>
           </a:xfrm>
           <a:prstGeom prst="rect">
@@ -3198,7 +3198,7 @@
         </p:nvSpPr>
         <p:spPr>
           <a:xfrm>
-            <a:off x="1933569" y="2326291"/>
+            <a:off x="5719863" y="2129865"/>
             <a:ext cx="622286" cy="184666"/>
           </a:xfrm>
           <a:prstGeom prst="rect">
@@ -3241,7 +3241,7 @@
         </p:nvCxnSpPr>
         <p:spPr>
           <a:xfrm>
-            <a:off x="6111584" y="244147"/>
+            <a:off x="6116750" y="290642"/>
             <a:ext cx="117643" cy="0"/>
           </a:xfrm>
           <a:prstGeom prst="line">
@@ -3282,7 +3282,7 @@
         </p:nvCxnSpPr>
         <p:spPr>
           <a:xfrm>
-            <a:off x="5959183" y="241473"/>
+            <a:off x="5964349" y="287968"/>
             <a:ext cx="117643" cy="0"/>
           </a:xfrm>
           <a:prstGeom prst="line">
@@ -3318,8 +3318,8 @@
         </p:nvSpPr>
         <p:spPr>
           <a:xfrm>
-            <a:off x="5902267" y="82498"/>
-            <a:ext cx="234360" cy="200055"/>
+            <a:off x="5907433" y="128993"/>
+            <a:ext cx="227948" cy="184666"/>
           </a:xfrm>
           <a:prstGeom prst="rect">
             <a:avLst/>
@@ -3333,7 +3333,7 @@
           <a:lstStyle/>
           <a:p>
             <a:r>
-              <a:rPr lang="en-US" sz="700" dirty="0">
+              <a:rPr lang="en-US" sz="600" dirty="0">
                 <a:latin typeface="Helvetica" pitchFamily="2" charset="0"/>
               </a:rPr>
               <a:t>0</a:t>
@@ -3355,8 +3355,8 @@
         </p:nvSpPr>
         <p:spPr>
           <a:xfrm>
-            <a:off x="6060016" y="78378"/>
-            <a:ext cx="234360" cy="200055"/>
+            <a:off x="6065182" y="124873"/>
+            <a:ext cx="227948" cy="184666"/>
           </a:xfrm>
           <a:prstGeom prst="rect">
             <a:avLst/>
@@ -3370,7 +3370,7 @@
           <a:lstStyle/>
           <a:p>
             <a:r>
-              <a:rPr lang="en-US" sz="700" dirty="0">
+              <a:rPr lang="en-US" sz="600" dirty="0">
                 <a:latin typeface="Helvetica" pitchFamily="2" charset="0"/>
               </a:rPr>
               <a:t>1</a:t>
@@ -3392,8 +3392,8 @@
         </p:nvSpPr>
         <p:spPr>
           <a:xfrm>
-            <a:off x="4832794" y="109234"/>
-            <a:ext cx="1237839" cy="200055"/>
+            <a:off x="4963891" y="70339"/>
+            <a:ext cx="1087157" cy="276999"/>
           </a:xfrm>
           <a:prstGeom prst="rect">
             <a:avLst/>
@@ -3406,8 +3406,18 @@
           </a:bodyPr>
           <a:lstStyle/>
           <a:p>
-            <a:r>
-              <a:rPr lang="en-US" sz="700" dirty="0">
+            <a:pPr algn="ctr"/>
+            <a:r>
+              <a:rPr lang="en-US" sz="600" b="1" dirty="0">
+                <a:latin typeface="Helvetica" pitchFamily="2" charset="0"/>
+              </a:rPr>
+              <a:t>Dominance</a:t>
+            </a:r>
+          </a:p>
+          <a:p>
+            <a:pPr algn="ctr"/>
+            <a:r>
+              <a:rPr lang="en-US" sz="600" dirty="0">
                 <a:latin typeface="Helvetica" pitchFamily="2" charset="0"/>
               </a:rPr>
               <a:t>D (of Non-synonymous) = </a:t>
@@ -3496,8 +3506,8 @@
         </p:nvSpPr>
         <p:spPr>
           <a:xfrm>
-            <a:off x="0" y="4040818"/>
-            <a:ext cx="6400800" cy="1477328"/>
+            <a:off x="0" y="4014948"/>
+            <a:ext cx="6400800" cy="2192908"/>
           </a:xfrm>
           <a:prstGeom prst="rect">
             <a:avLst/>
@@ -3510,41 +3520,122 @@
           </a:bodyPr>
           <a:lstStyle/>
           <a:p>
-            <a:r>
-              <a:rPr lang="en-US" sz="900" b="1" dirty="0"/>
+            <a:pPr algn="just"/>
+            <a:r>
+              <a:rPr lang="en-US" sz="1050" b="1" dirty="0"/>
               <a:t>Figure 1. Simulation of selection and mutation rate bias in Arabidopsis mutation accumulation experiments.</a:t>
             </a:r>
             <a:r>
-              <a:rPr lang="en-US" sz="900" dirty="0"/>
-              <a:t> (a) Overview of the simulation framework conducted using </a:t>
-            </a:r>
-            <a:r>
-              <a:rPr lang="en-US" sz="900" dirty="0" err="1"/>
+              <a:rPr lang="en-US" sz="1050" dirty="0"/>
+              <a:t> </a:t>
+            </a:r>
+            <a:r>
+              <a:rPr lang="en-US" sz="1050" b="1" dirty="0"/>
+              <a:t>a</a:t>
+            </a:r>
+            <a:r>
+              <a:rPr lang="en-US" sz="1050" dirty="0"/>
+              <a:t>) Overview of the simulation framework conducted using </a:t>
+            </a:r>
+            <a:r>
+              <a:rPr lang="en-US" sz="1050" dirty="0" err="1"/>
               <a:t>SLiM</a:t>
             </a:r>
             <a:r>
-              <a:rPr lang="en-US" sz="900" dirty="0"/>
-              <a:t>, modelled after the development of the Arabidopsis germline. b-g) the results of these simulations, where the x-axis represents the true degree of mutation rate reduction (</a:t>
-            </a:r>
-            <a:r>
-              <a:rPr lang="el-GR" sz="900" dirty="0" err="1"/>
+              <a:rPr lang="en-US" sz="1050" dirty="0"/>
+              <a:t>, modelled after the meristem development of the Arabidopsis from zygote to gamete. </a:t>
+            </a:r>
+            <a:r>
+              <a:rPr lang="en-US" sz="1050" b="1" dirty="0"/>
+              <a:t>b-g</a:t>
+            </a:r>
+            <a:r>
+              <a:rPr lang="en-US" sz="1050" dirty="0"/>
+              <a:t>) the results of these simulations, where the x-axis represents the true degree of mutation rate reduction (</a:t>
+            </a:r>
+            <a:r>
+              <a:rPr lang="el-GR" sz="1050" dirty="0" err="1"/>
               <a:t>Δμ</a:t>
             </a:r>
             <a:r>
-              <a:rPr lang="el-GR" sz="900" dirty="0"/>
+              <a:rPr lang="el-GR" sz="1050" dirty="0"/>
               <a:t>) </a:t>
             </a:r>
             <a:r>
-              <a:rPr lang="en-US" sz="900" dirty="0"/>
-              <a:t>in gene bodies. The panels show the impact of various levels of selection (s) and dominance (D) on non-synonymous mutations b) mutation rate (mutations per base pair per generation) in genic regions. c) mutation rate in intergenic regions. d) the </a:t>
-            </a:r>
-            <a:r>
-              <a:rPr lang="en-US" sz="900" dirty="0" err="1"/>
-              <a:t>percieved</a:t>
-            </a:r>
-            <a:r>
-              <a:rPr lang="en-US" sz="900" dirty="0"/>
-              <a:t> reduction of mutation rate in gene bodies, with the dashed line indicating the true reduction. e) the observed non-synonymous to synonymous (NS/S) mutation ratio, with the dashed line representing the neutral expectation. f) results of chi-squared tests of NS/S ratio relative to the neutral expectation, indicating the significance of deviation from neutrality (p &lt; 0.05). g) the estimated reduction of mutation rate in gene regions after accounting for selection, comparing the estimated and actual mutation rate reductions.</a:t>
+              <a:rPr lang="en-US" sz="1050" dirty="0"/>
+              <a:t>in gene bodies. The panels show the impact on measures of mutation bias and selection from various degrees of selection strength (s) and dominance (D) of </a:t>
+            </a:r>
+            <a:r>
+              <a:rPr lang="en-US" sz="1050" i="1" dirty="0"/>
+              <a:t>de novo </a:t>
+            </a:r>
+            <a:r>
+              <a:rPr lang="en-US" sz="1050" dirty="0"/>
+              <a:t>non-synonymous mutations: </a:t>
+            </a:r>
+            <a:r>
+              <a:rPr lang="en-US" sz="1050" b="1" dirty="0"/>
+              <a:t>b</a:t>
+            </a:r>
+            <a:r>
+              <a:rPr lang="en-US" sz="1050" dirty="0"/>
+              <a:t>) observed mutation rate (mutations per base pair per generation) in genic regions (scaled </a:t>
+            </a:r>
+            <a:r>
+              <a:rPr lang="en-US" sz="1050" i="1" dirty="0"/>
+              <a:t>to A. thaliana </a:t>
+            </a:r>
+            <a:r>
+              <a:rPr lang="en-US" sz="1050" dirty="0"/>
+              <a:t>genome size) </a:t>
+            </a:r>
+            <a:r>
+              <a:rPr lang="en-US" sz="1050" b="1" dirty="0"/>
+              <a:t>c</a:t>
+            </a:r>
+            <a:r>
+              <a:rPr lang="en-US" sz="1050" dirty="0"/>
+              <a:t>) observed mutation rate in intergenic regions, </a:t>
+            </a:r>
+            <a:r>
+              <a:rPr lang="en-US" sz="1050" b="1" dirty="0"/>
+              <a:t>d</a:t>
+            </a:r>
+            <a:r>
+              <a:rPr lang="en-US" sz="1050" dirty="0"/>
+              <a:t>) the perceived reduction of mutation rate in gene bodies, with the dashed line indicating the true reduction, </a:t>
+            </a:r>
+            <a:r>
+              <a:rPr lang="en-US" sz="1050" b="1" dirty="0"/>
+              <a:t>e</a:t>
+            </a:r>
+            <a:r>
+              <a:rPr lang="en-US" sz="1050" dirty="0"/>
+              <a:t>) the observed non-synonymous to synonymous (NS/S) mutation ratio, with the dashed line representing the neutral expectation, </a:t>
+            </a:r>
+            <a:r>
+              <a:rPr lang="en-US" sz="1050" b="1" dirty="0"/>
+              <a:t>f</a:t>
+            </a:r>
+            <a:r>
+              <a:rPr lang="en-US" sz="1050" dirty="0"/>
+              <a:t>) results of chi-squared tests of NS/S ratio relative to the neutral expectation, indicating the significance of deviation from neutrality (p &lt; 0.05, i.e. ”</a:t>
+            </a:r>
+            <a:r>
+              <a:rPr lang="en-US" sz="1050" i="1" dirty="0"/>
+              <a:t>would be we be able to detect selection?</a:t>
+            </a:r>
+            <a:r>
+              <a:rPr lang="en-US" sz="1050" dirty="0"/>
+              <a:t>”) and</a:t>
+            </a:r>
+            <a:r>
+              <a:rPr lang="en-US" sz="1050" b="1" dirty="0"/>
+              <a:t> g</a:t>
+            </a:r>
+            <a:r>
+              <a:rPr lang="en-US" sz="1050" dirty="0"/>
+              <a:t>) the estimated reduction of mutation rate in gene regions after accounting for selection on coding mutations, comparing the estimated and actual mutation rate reductions.</a:t>
             </a:r>
           </a:p>
         </p:txBody>
@@ -3637,7 +3728,7 @@
         </p:nvSpPr>
         <p:spPr>
           <a:xfrm>
-            <a:off x="1646712" y="910440"/>
+            <a:off x="1534458" y="910440"/>
             <a:ext cx="248194" cy="215444"/>
           </a:xfrm>
           <a:prstGeom prst="rect">
@@ -3674,7 +3765,7 @@
         </p:nvSpPr>
         <p:spPr>
           <a:xfrm>
-            <a:off x="1662546" y="1502227"/>
+            <a:off x="1534458" y="1502227"/>
             <a:ext cx="248194" cy="215444"/>
           </a:xfrm>
           <a:prstGeom prst="rect">
@@ -3711,7 +3802,7 @@
         </p:nvSpPr>
         <p:spPr>
           <a:xfrm>
-            <a:off x="1642754" y="2064326"/>
+            <a:off x="1534458" y="2064326"/>
             <a:ext cx="248194" cy="215444"/>
           </a:xfrm>
           <a:prstGeom prst="rect">
@@ -3748,7 +3839,7 @@
         </p:nvSpPr>
         <p:spPr>
           <a:xfrm>
-            <a:off x="1658588" y="2578924"/>
+            <a:off x="1534458" y="2578924"/>
             <a:ext cx="248194" cy="215444"/>
           </a:xfrm>
           <a:prstGeom prst="rect">
@@ -3785,7 +3876,7 @@
         </p:nvSpPr>
         <p:spPr>
           <a:xfrm>
-            <a:off x="1644733" y="3218212"/>
+            <a:off x="1534458" y="3218212"/>
             <a:ext cx="248194" cy="215444"/>
           </a:xfrm>
           <a:prstGeom prst="rect">
@@ -3871,8 +3962,8 @@
         </p:nvSpPr>
         <p:spPr>
           <a:xfrm>
-            <a:off x="2388223" y="152055"/>
-            <a:ext cx="1540806" cy="184666"/>
+            <a:off x="2331901" y="-41566"/>
+            <a:ext cx="1540806" cy="369332"/>
           </a:xfrm>
           <a:prstGeom prst="rect">
             <a:avLst/>
@@ -3885,6 +3976,21 @@
           </a:bodyPr>
           <a:lstStyle/>
           <a:p>
+            <a:endParaRPr lang="en-US" sz="600" dirty="0">
+              <a:latin typeface="Helvetica" pitchFamily="2" charset="0"/>
+            </a:endParaRPr>
+          </a:p>
+          <a:p>
+            <a:pPr algn="ctr"/>
+            <a:r>
+              <a:rPr lang="en-US" sz="600" b="1" dirty="0">
+                <a:latin typeface="Helvetica" pitchFamily="2" charset="0"/>
+              </a:rPr>
+              <a:t>Selection</a:t>
+            </a:r>
+          </a:p>
+          <a:p>
+            <a:pPr algn="ctr"/>
             <a:r>
               <a:rPr lang="en-US" sz="600" dirty="0">
                 <a:latin typeface="Helvetica" pitchFamily="2" charset="0"/>
@@ -3920,7 +4026,7 @@
         </p:nvSpPr>
         <p:spPr>
           <a:xfrm>
-            <a:off x="3724216" y="240920"/>
+            <a:off x="3832704" y="215090"/>
             <a:ext cx="869149" cy="184666"/>
           </a:xfrm>
           <a:prstGeom prst="rect">
@@ -3959,13 +4065,14 @@
         </p:nvCxnSpPr>
         <p:spPr>
           <a:xfrm>
-            <a:off x="4597921" y="338727"/>
-            <a:ext cx="214999" cy="0"/>
+            <a:off x="3941736" y="364557"/>
+            <a:ext cx="1792637" cy="0"/>
           </a:xfrm>
           <a:prstGeom prst="straightConnector1">
             <a:avLst/>
           </a:prstGeom>
           <a:ln w="6350">
+            <a:prstDash val="sysDot"/>
             <a:tailEnd type="triangle" w="sm" len="med"/>
           </a:ln>
         </p:spPr>
@@ -3984,6 +4091,43 @@
           </a:fontRef>
         </p:style>
       </p:cxnSp>
+      <p:sp>
+        <p:nvSpPr>
+          <p:cNvPr id="10" name="TextBox 9">
+            <a:extLst>
+              <a:ext uri="{FF2B5EF4-FFF2-40B4-BE49-F238E27FC236}">
+                <a16:creationId xmlns:a16="http://schemas.microsoft.com/office/drawing/2014/main" id="{7314FE42-97A9-2928-7A54-F08F09AA3E39}"/>
+              </a:ext>
+            </a:extLst>
+          </p:cNvPr>
+          <p:cNvSpPr txBox="1"/>
+          <p:nvPr/>
+        </p:nvSpPr>
+        <p:spPr>
+          <a:xfrm>
+            <a:off x="2252421" y="320298"/>
+            <a:ext cx="486030" cy="184666"/>
+          </a:xfrm>
+          <a:prstGeom prst="rect">
+            <a:avLst/>
+          </a:prstGeom>
+          <a:noFill/>
+        </p:spPr>
+        <p:txBody>
+          <a:bodyPr wrap="none" rtlCol="0">
+            <a:spAutoFit/>
+          </a:bodyPr>
+          <a:lstStyle/>
+          <a:p>
+            <a:r>
+              <a:rPr lang="en-US" sz="600" dirty="0">
+                <a:latin typeface="Helvetica" pitchFamily="2" charset="0"/>
+              </a:rPr>
+              <a:t>(Neutral)</a:t>
+            </a:r>
+          </a:p>
+        </p:txBody>
+      </p:sp>
     </p:spTree>
     <p:extLst>
       <p:ext uri="{BB962C8B-B14F-4D97-AF65-F5344CB8AC3E}">
@@ -4014,99 +4158,12 @@
           <a:chExt cx="0" cy="0"/>
         </a:xfrm>
       </p:grpSpPr>
-      <p:pic>
-        <p:nvPicPr>
-          <p:cNvPr id="4" name="Picture 3">
-            <a:extLst>
-              <a:ext uri="{FF2B5EF4-FFF2-40B4-BE49-F238E27FC236}">
-                <a16:creationId xmlns:a16="http://schemas.microsoft.com/office/drawing/2014/main" id="{CF0B56A5-486B-B160-90B1-B02C637A17FB}"/>
-              </a:ext>
-            </a:extLst>
-          </p:cNvPr>
-          <p:cNvPicPr>
-            <a:picLocks noChangeAspect="1"/>
-          </p:cNvPicPr>
-          <p:nvPr/>
-        </p:nvPicPr>
-        <p:blipFill rotWithShape="1">
-          <a:blip r:embed="rId2"/>
-          <a:srcRect l="18334" r="58333"/>
-          <a:stretch/>
-        </p:blipFill>
-        <p:spPr>
-          <a:xfrm>
-            <a:off x="1729955" y="2338597"/>
-            <a:ext cx="1066800" cy="3657600"/>
-          </a:xfrm>
-          <a:prstGeom prst="rect">
-            <a:avLst/>
-          </a:prstGeom>
-        </p:spPr>
-      </p:pic>
-      <p:pic>
-        <p:nvPicPr>
-          <p:cNvPr id="5" name="Picture 4">
-            <a:extLst>
-              <a:ext uri="{FF2B5EF4-FFF2-40B4-BE49-F238E27FC236}">
-                <a16:creationId xmlns:a16="http://schemas.microsoft.com/office/drawing/2014/main" id="{115EB9D4-EAE0-6E3C-AFA2-72578DBD17E0}"/>
-              </a:ext>
-            </a:extLst>
-          </p:cNvPr>
-          <p:cNvPicPr>
-            <a:picLocks noChangeAspect="1"/>
-          </p:cNvPicPr>
-          <p:nvPr/>
-        </p:nvPicPr>
-        <p:blipFill rotWithShape="1">
-          <a:blip r:embed="rId3"/>
-          <a:srcRect l="41760" b="2981"/>
-          <a:stretch/>
-        </p:blipFill>
-        <p:spPr>
-          <a:xfrm>
-            <a:off x="2981986" y="2338597"/>
-            <a:ext cx="2662743" cy="3548569"/>
-          </a:xfrm>
-          <a:prstGeom prst="rect">
-            <a:avLst/>
-          </a:prstGeom>
-        </p:spPr>
-      </p:pic>
-      <p:pic>
-        <p:nvPicPr>
-          <p:cNvPr id="7" name="Picture 6">
-            <a:extLst>
-              <a:ext uri="{FF2B5EF4-FFF2-40B4-BE49-F238E27FC236}">
-                <a16:creationId xmlns:a16="http://schemas.microsoft.com/office/drawing/2014/main" id="{EF179FD0-B539-1B15-A305-3D6F7ACC7137}"/>
-              </a:ext>
-            </a:extLst>
-          </p:cNvPr>
-          <p:cNvPicPr>
-            <a:picLocks noChangeAspect="1"/>
-          </p:cNvPicPr>
-          <p:nvPr/>
-        </p:nvPicPr>
-        <p:blipFill rotWithShape="1">
-          <a:blip r:embed="rId4"/>
-          <a:srcRect l="-625" t="-260" r="81667" b="260"/>
-          <a:stretch/>
-        </p:blipFill>
-        <p:spPr>
-          <a:xfrm>
-            <a:off x="634580" y="2319547"/>
-            <a:ext cx="866775" cy="3657600"/>
-          </a:xfrm>
-          <a:prstGeom prst="rect">
-            <a:avLst/>
-          </a:prstGeom>
-        </p:spPr>
-      </p:pic>
-      <p:sp>
-        <p:nvSpPr>
-          <p:cNvPr id="6" name="TextBox 5">
-            <a:extLst>
-              <a:ext uri="{FF2B5EF4-FFF2-40B4-BE49-F238E27FC236}">
-                <a16:creationId xmlns:a16="http://schemas.microsoft.com/office/drawing/2014/main" id="{7D8BECFB-2E8D-2304-26D9-770DC51C0B07}"/>
+      <p:sp>
+        <p:nvSpPr>
+          <p:cNvPr id="5" name="TextBox 4">
+            <a:extLst>
+              <a:ext uri="{FF2B5EF4-FFF2-40B4-BE49-F238E27FC236}">
+                <a16:creationId xmlns:a16="http://schemas.microsoft.com/office/drawing/2014/main" id="{6BCED9E7-A7D3-4504-49FC-3E2C0C8FA24C}"/>
               </a:ext>
             </a:extLst>
           </p:cNvPr>
@@ -4115,8 +4172,8 @@
         </p:nvSpPr>
         <p:spPr>
           <a:xfrm>
-            <a:off x="1000707" y="2223236"/>
-            <a:ext cx="494046" cy="184666"/>
+            <a:off x="0" y="136792"/>
+            <a:ext cx="1242648" cy="200055"/>
           </a:xfrm>
           <a:prstGeom prst="rect">
             <a:avLst/>
@@ -4130,135 +4187,31 @@
           <a:lstStyle/>
           <a:p>
             <a:r>
-              <a:rPr lang="en-US" sz="600" dirty="0">
+              <a:rPr lang="en-US" sz="700" dirty="0">
                 <a:latin typeface="Helvetica" pitchFamily="2" charset="0"/>
               </a:rPr>
-              <a:t>Neutral </a:t>
-            </a:r>
-            <a:r>
-              <a:rPr lang="en-US" sz="600" b="1" dirty="0">
-                <a:latin typeface="Helvetica" pitchFamily="2" charset="0"/>
-              </a:rPr>
-              <a:t>s</a:t>
-            </a:r>
-          </a:p>
-        </p:txBody>
-      </p:sp>
-      <p:sp>
-        <p:nvSpPr>
-          <p:cNvPr id="24" name="TextBox 23">
-            <a:extLst>
-              <a:ext uri="{FF2B5EF4-FFF2-40B4-BE49-F238E27FC236}">
-                <a16:creationId xmlns:a16="http://schemas.microsoft.com/office/drawing/2014/main" id="{3DFE6E82-0E68-8774-DC47-F875B0876D10}"/>
-              </a:ext>
-            </a:extLst>
-          </p:cNvPr>
-          <p:cNvSpPr txBox="1"/>
-          <p:nvPr/>
-        </p:nvSpPr>
-        <p:spPr>
-          <a:xfrm>
-            <a:off x="5540923" y="5038733"/>
-            <a:ext cx="423514" cy="184666"/>
-          </a:xfrm>
-          <a:prstGeom prst="rect">
-            <a:avLst/>
-          </a:prstGeom>
-          <a:noFill/>
-        </p:spPr>
-        <p:txBody>
-          <a:bodyPr wrap="none" rtlCol="0">
-            <a:spAutoFit/>
-          </a:bodyPr>
-          <a:lstStyle/>
-          <a:p>
-            <a:r>
-              <a:rPr lang="en-US" sz="600" dirty="0">
-                <a:solidFill>
-                  <a:schemeClr val="tx1">
-                    <a:lumMod val="50000"/>
-                    <a:lumOff val="50000"/>
-                  </a:schemeClr>
-                </a:solidFill>
-                <a:latin typeface="Helvetica" pitchFamily="2" charset="0"/>
-              </a:rPr>
-              <a:t>p&lt;0.05</a:t>
-            </a:r>
-          </a:p>
-        </p:txBody>
-      </p:sp>
-      <p:sp>
-        <p:nvSpPr>
-          <p:cNvPr id="25" name="TextBox 24">
-            <a:extLst>
-              <a:ext uri="{FF2B5EF4-FFF2-40B4-BE49-F238E27FC236}">
-                <a16:creationId xmlns:a16="http://schemas.microsoft.com/office/drawing/2014/main" id="{5451D5C9-D757-FA46-4CB6-CD2B9949FFB0}"/>
-              </a:ext>
-            </a:extLst>
-          </p:cNvPr>
-          <p:cNvSpPr txBox="1"/>
-          <p:nvPr/>
-        </p:nvSpPr>
-        <p:spPr>
-          <a:xfrm>
-            <a:off x="5551880" y="4222945"/>
-            <a:ext cx="455574" cy="276999"/>
-          </a:xfrm>
-          <a:prstGeom prst="rect">
-            <a:avLst/>
-          </a:prstGeom>
-          <a:noFill/>
-        </p:spPr>
-        <p:txBody>
-          <a:bodyPr wrap="square" rtlCol="0">
-            <a:spAutoFit/>
-          </a:bodyPr>
-          <a:lstStyle/>
-          <a:p>
-            <a:r>
-              <a:rPr lang="en-US" sz="600" dirty="0">
-                <a:solidFill>
-                  <a:schemeClr val="tx1">
-                    <a:lumMod val="50000"/>
-                    <a:lumOff val="50000"/>
-                  </a:schemeClr>
-                </a:solidFill>
-                <a:latin typeface="Helvetica" pitchFamily="2" charset="0"/>
-              </a:rPr>
-              <a:t>Neutral </a:t>
-            </a:r>
-          </a:p>
-          <a:p>
-            <a:r>
-              <a:rPr lang="en-US" sz="600" dirty="0">
-                <a:solidFill>
-                  <a:schemeClr val="tx1">
-                    <a:lumMod val="50000"/>
-                    <a:lumOff val="50000"/>
-                  </a:schemeClr>
-                </a:solidFill>
-                <a:latin typeface="Helvetica" pitchFamily="2" charset="0"/>
-              </a:rPr>
-              <a:t>Ns/S</a:t>
+              <a:t>s (on Non-synonymous) = </a:t>
             </a:r>
           </a:p>
         </p:txBody>
       </p:sp>
       <p:cxnSp>
         <p:nvCxnSpPr>
-          <p:cNvPr id="31" name="Straight Connector 30">
-            <a:extLst>
-              <a:ext uri="{FF2B5EF4-FFF2-40B4-BE49-F238E27FC236}">
-                <a16:creationId xmlns:a16="http://schemas.microsoft.com/office/drawing/2014/main" id="{8FD55786-43F2-C6F4-0C96-F2E60802877B}"/>
-              </a:ext>
-            </a:extLst>
-          </p:cNvPr>
-          <p:cNvCxnSpPr/>
+          <p:cNvPr id="6" name="Straight Connector 5">
+            <a:extLst>
+              <a:ext uri="{FF2B5EF4-FFF2-40B4-BE49-F238E27FC236}">
+                <a16:creationId xmlns:a16="http://schemas.microsoft.com/office/drawing/2014/main" id="{EF0D766C-BB5A-7048-C505-ABE2491C6429}"/>
+              </a:ext>
+            </a:extLst>
+          </p:cNvPr>
+          <p:cNvCxnSpPr>
+            <a:cxnSpLocks/>
+          </p:cNvCxnSpPr>
           <p:nvPr/>
         </p:nvCxnSpPr>
         <p:spPr>
           <a:xfrm>
-            <a:off x="1172769" y="2223696"/>
+            <a:off x="2976158" y="240975"/>
             <a:ext cx="117643" cy="0"/>
           </a:xfrm>
           <a:prstGeom prst="line">
@@ -4287,19 +4240,21 @@
       </p:cxnSp>
       <p:cxnSp>
         <p:nvCxnSpPr>
-          <p:cNvPr id="32" name="Straight Connector 31">
-            <a:extLst>
-              <a:ext uri="{FF2B5EF4-FFF2-40B4-BE49-F238E27FC236}">
-                <a16:creationId xmlns:a16="http://schemas.microsoft.com/office/drawing/2014/main" id="{3C1669F3-54C9-304E-18DA-BB7FB7593538}"/>
-              </a:ext>
-            </a:extLst>
-          </p:cNvPr>
-          <p:cNvCxnSpPr/>
+          <p:cNvPr id="7" name="Straight Connector 6">
+            <a:extLst>
+              <a:ext uri="{FF2B5EF4-FFF2-40B4-BE49-F238E27FC236}">
+                <a16:creationId xmlns:a16="http://schemas.microsoft.com/office/drawing/2014/main" id="{76A7850E-5E14-77AB-BB7C-826E4F7FCE68}"/>
+              </a:ext>
+            </a:extLst>
+          </p:cNvPr>
+          <p:cNvCxnSpPr>
+            <a:cxnSpLocks/>
+          </p:cNvCxnSpPr>
           <p:nvPr/>
         </p:nvCxnSpPr>
         <p:spPr>
           <a:xfrm>
-            <a:off x="1020368" y="2221022"/>
+            <a:off x="2823757" y="238301"/>
             <a:ext cx="117643" cy="0"/>
           </a:xfrm>
           <a:prstGeom prst="line">
@@ -4323,10 +4278,10 @@
       </p:cxnSp>
       <p:sp>
         <p:nvSpPr>
-          <p:cNvPr id="33" name="TextBox 32">
-            <a:extLst>
-              <a:ext uri="{FF2B5EF4-FFF2-40B4-BE49-F238E27FC236}">
-                <a16:creationId xmlns:a16="http://schemas.microsoft.com/office/drawing/2014/main" id="{19A3D850-FDE8-72E2-E8EA-1FD2EF461A49}"/>
+          <p:cNvPr id="8" name="TextBox 7">
+            <a:extLst>
+              <a:ext uri="{FF2B5EF4-FFF2-40B4-BE49-F238E27FC236}">
+                <a16:creationId xmlns:a16="http://schemas.microsoft.com/office/drawing/2014/main" id="{82AA5D2E-C4AD-B0F7-0889-DF221509EFB2}"/>
               </a:ext>
             </a:extLst>
           </p:cNvPr>
@@ -4335,7 +4290,7 @@
         </p:nvSpPr>
         <p:spPr>
           <a:xfrm>
-            <a:off x="963452" y="2062047"/>
+            <a:off x="2766841" y="79326"/>
             <a:ext cx="234360" cy="200055"/>
           </a:xfrm>
           <a:prstGeom prst="rect">
@@ -4360,10 +4315,10 @@
       </p:sp>
       <p:sp>
         <p:nvSpPr>
-          <p:cNvPr id="34" name="TextBox 33">
-            <a:extLst>
-              <a:ext uri="{FF2B5EF4-FFF2-40B4-BE49-F238E27FC236}">
-                <a16:creationId xmlns:a16="http://schemas.microsoft.com/office/drawing/2014/main" id="{A983707C-0835-F91C-AC86-1857DC53E261}"/>
+          <p:cNvPr id="9" name="TextBox 8">
+            <a:extLst>
+              <a:ext uri="{FF2B5EF4-FFF2-40B4-BE49-F238E27FC236}">
+                <a16:creationId xmlns:a16="http://schemas.microsoft.com/office/drawing/2014/main" id="{25542F28-585B-8130-2C7E-AF2F7014C3D5}"/>
               </a:ext>
             </a:extLst>
           </p:cNvPr>
@@ -4372,7 +4327,7 @@
         </p:nvSpPr>
         <p:spPr>
           <a:xfrm>
-            <a:off x="1121201" y="2057927"/>
+            <a:off x="2924590" y="75206"/>
             <a:ext cx="234360" cy="200055"/>
           </a:xfrm>
           <a:prstGeom prst="rect">
@@ -4397,10 +4352,10 @@
       </p:sp>
       <p:sp>
         <p:nvSpPr>
-          <p:cNvPr id="35" name="TextBox 34">
-            <a:extLst>
-              <a:ext uri="{FF2B5EF4-FFF2-40B4-BE49-F238E27FC236}">
-                <a16:creationId xmlns:a16="http://schemas.microsoft.com/office/drawing/2014/main" id="{D174C4ED-BC56-D612-F6D0-BEE57DD99F73}"/>
+          <p:cNvPr id="10" name="TextBox 9">
+            <a:extLst>
+              <a:ext uri="{FF2B5EF4-FFF2-40B4-BE49-F238E27FC236}">
+                <a16:creationId xmlns:a16="http://schemas.microsoft.com/office/drawing/2014/main" id="{06848091-28ED-5F87-AB4C-610DE2A0E212}"/>
               </a:ext>
             </a:extLst>
           </p:cNvPr>
@@ -4409,8 +4364,8 @@
         </p:nvSpPr>
         <p:spPr>
           <a:xfrm>
-            <a:off x="371882" y="2110892"/>
-            <a:ext cx="740908" cy="200055"/>
+            <a:off x="1306429" y="119315"/>
+            <a:ext cx="1625766" cy="200055"/>
           </a:xfrm>
           <a:prstGeom prst="rect">
             <a:avLst/>
@@ -4427,17 +4382,47 @@
               <a:rPr lang="en-US" sz="700" dirty="0">
                 <a:latin typeface="Helvetica" pitchFamily="2" charset="0"/>
               </a:rPr>
-              <a:t>Dominance = </a:t>
-            </a:r>
-          </a:p>
-        </p:txBody>
-      </p:sp>
-      <p:sp>
-        <p:nvSpPr>
-          <p:cNvPr id="50" name="TextBox 49">
-            <a:extLst>
-              <a:ext uri="{FF2B5EF4-FFF2-40B4-BE49-F238E27FC236}">
-                <a16:creationId xmlns:a16="http://schemas.microsoft.com/office/drawing/2014/main" id="{04ADF7EA-FDF5-BA9F-A240-8842AFDCBC4A}"/>
+              <a:t>Dominance of Non-synonymous = </a:t>
+            </a:r>
+          </a:p>
+        </p:txBody>
+      </p:sp>
+      <p:pic>
+        <p:nvPicPr>
+          <p:cNvPr id="14" name="Picture 13">
+            <a:extLst>
+              <a:ext uri="{FF2B5EF4-FFF2-40B4-BE49-F238E27FC236}">
+                <a16:creationId xmlns:a16="http://schemas.microsoft.com/office/drawing/2014/main" id="{333548E1-764A-8CD3-D659-21B2E71A2FBE}"/>
+              </a:ext>
+            </a:extLst>
+          </p:cNvPr>
+          <p:cNvPicPr>
+            <a:picLocks noChangeAspect="1"/>
+          </p:cNvPicPr>
+          <p:nvPr/>
+        </p:nvPicPr>
+        <p:blipFill>
+          <a:blip r:embed="rId2"/>
+          <a:stretch>
+            <a:fillRect/>
+          </a:stretch>
+        </p:blipFill>
+        <p:spPr>
+          <a:xfrm>
+            <a:off x="0" y="304800"/>
+            <a:ext cx="3200400" cy="1828800"/>
+          </a:xfrm>
+          <a:prstGeom prst="rect">
+            <a:avLst/>
+          </a:prstGeom>
+        </p:spPr>
+      </p:pic>
+      <p:sp>
+        <p:nvSpPr>
+          <p:cNvPr id="15" name="TextBox 14">
+            <a:extLst>
+              <a:ext uri="{FF2B5EF4-FFF2-40B4-BE49-F238E27FC236}">
+                <a16:creationId xmlns:a16="http://schemas.microsoft.com/office/drawing/2014/main" id="{1FBC5B42-8E11-EC8F-B26C-581FD24A7F0E}"/>
               </a:ext>
             </a:extLst>
           </p:cNvPr>
@@ -4446,8 +4431,8 @@
         </p:nvSpPr>
         <p:spPr>
           <a:xfrm>
-            <a:off x="0" y="5993426"/>
-            <a:ext cx="6400800" cy="1477328"/>
+            <a:off x="-45521" y="251360"/>
+            <a:ext cx="248194" cy="230832"/>
           </a:xfrm>
           <a:prstGeom prst="rect">
             <a:avLst/>
@@ -4461,50 +4446,20 @@
           <a:lstStyle/>
           <a:p>
             <a:r>
-              <a:rPr lang="en-US" sz="900" b="1" dirty="0"/>
-              <a:t>Figure 1. Simulation of selection and mutation rate bias in Arabidopsis mutation accumulation experiments.</a:t>
-            </a:r>
-            <a:r>
-              <a:rPr lang="en-US" sz="900" dirty="0"/>
-              <a:t> (a) Overview of the simulation framework conducted using </a:t>
-            </a:r>
-            <a:r>
-              <a:rPr lang="en-US" sz="900" dirty="0" err="1"/>
-              <a:t>SLiM</a:t>
-            </a:r>
-            <a:r>
-              <a:rPr lang="en-US" sz="900" dirty="0"/>
-              <a:t>, modelled after the development of the Arabidopsis germline. b-g) the results of these simulations, where the x-axis represents the true degree of mutation rate reduction (</a:t>
-            </a:r>
-            <a:r>
-              <a:rPr lang="el-GR" sz="900" dirty="0" err="1"/>
-              <a:t>Δμ</a:t>
-            </a:r>
-            <a:r>
-              <a:rPr lang="el-GR" sz="900" dirty="0"/>
-              <a:t>) </a:t>
-            </a:r>
-            <a:r>
-              <a:rPr lang="en-US" sz="900" dirty="0"/>
-              <a:t>in gene bodies. The panels show the impact of various levels of selection (s) and dominance (D) on non-synonymous mutations b) mutation rate (mutations per base pair per generation) in genic regions. c) mutation rate in intergenic regions. d) the </a:t>
-            </a:r>
-            <a:r>
-              <a:rPr lang="en-US" sz="900" dirty="0" err="1"/>
-              <a:t>percieved</a:t>
-            </a:r>
-            <a:r>
-              <a:rPr lang="en-US" sz="900" dirty="0"/>
-              <a:t> reduction of mutation rate in gene bodies, with the dashed line indicating the true reduction. e) the observed non-synonymous to synonymous (NS/S) mutation ratio, with the dashed line representing the neutral expectation. f) results of chi-squared tests of NS/S ratio relative to the neutral expectation, indicating the significance of deviation from neutrality (p &lt; 0.05). g) the estimated reduction of mutation rate in gene regions after accounting for selection, comparing the estimated and actual mutation rate reductions.</a:t>
-            </a:r>
-          </a:p>
-        </p:txBody>
-      </p:sp>
-      <p:sp>
-        <p:nvSpPr>
-          <p:cNvPr id="53" name="TextBox 52">
-            <a:extLst>
-              <a:ext uri="{FF2B5EF4-FFF2-40B4-BE49-F238E27FC236}">
-                <a16:creationId xmlns:a16="http://schemas.microsoft.com/office/drawing/2014/main" id="{7810D9E4-539E-30C7-444F-AFC42F76133C}"/>
+              <a:rPr lang="en-US" sz="900" b="1" dirty="0">
+                <a:latin typeface="Helvetica" pitchFamily="2" charset="0"/>
+              </a:rPr>
+              <a:t>a</a:t>
+            </a:r>
+          </a:p>
+        </p:txBody>
+      </p:sp>
+      <p:sp>
+        <p:nvSpPr>
+          <p:cNvPr id="16" name="TextBox 15">
+            <a:extLst>
+              <a:ext uri="{FF2B5EF4-FFF2-40B4-BE49-F238E27FC236}">
+                <a16:creationId xmlns:a16="http://schemas.microsoft.com/office/drawing/2014/main" id="{9A373581-A538-F3BC-5D71-647AC05C2463}"/>
               </a:ext>
             </a:extLst>
           </p:cNvPr>
@@ -4513,8 +4468,8 @@
         </p:nvSpPr>
         <p:spPr>
           <a:xfrm>
-            <a:off x="511761" y="2310342"/>
-            <a:ext cx="248194" cy="215444"/>
+            <a:off x="-65313" y="825334"/>
+            <a:ext cx="248194" cy="230832"/>
           </a:xfrm>
           <a:prstGeom prst="rect">
             <a:avLst/>
@@ -4528,7 +4483,7 @@
           <a:lstStyle/>
           <a:p>
             <a:r>
-              <a:rPr lang="en-US" sz="800" b="1" dirty="0">
+              <a:rPr lang="en-US" sz="900" b="1" dirty="0">
                 <a:latin typeface="Helvetica" pitchFamily="2" charset="0"/>
               </a:rPr>
               <a:t>b</a:t>
@@ -4538,10 +4493,10 @@
       </p:sp>
       <p:sp>
         <p:nvSpPr>
-          <p:cNvPr id="54" name="TextBox 53">
-            <a:extLst>
-              <a:ext uri="{FF2B5EF4-FFF2-40B4-BE49-F238E27FC236}">
-                <a16:creationId xmlns:a16="http://schemas.microsoft.com/office/drawing/2014/main" id="{2D996D2A-73CE-B468-851F-253F421FD47F}"/>
+          <p:cNvPr id="17" name="TextBox 16">
+            <a:extLst>
+              <a:ext uri="{FF2B5EF4-FFF2-40B4-BE49-F238E27FC236}">
+                <a16:creationId xmlns:a16="http://schemas.microsoft.com/office/drawing/2014/main" id="{B0702B97-7D17-4083-917A-04682793E1BB}"/>
               </a:ext>
             </a:extLst>
           </p:cNvPr>
@@ -4550,8 +4505,8 @@
         </p:nvSpPr>
         <p:spPr>
           <a:xfrm>
-            <a:off x="512333" y="2910572"/>
-            <a:ext cx="248194" cy="215444"/>
+            <a:off x="-73230" y="1399308"/>
+            <a:ext cx="248194" cy="230832"/>
           </a:xfrm>
           <a:prstGeom prst="rect">
             <a:avLst/>
@@ -4565,7 +4520,7 @@
           <a:lstStyle/>
           <a:p>
             <a:r>
-              <a:rPr lang="en-US" sz="800" b="1" dirty="0">
+              <a:rPr lang="en-US" sz="900" b="1" dirty="0">
                 <a:latin typeface="Helvetica" pitchFamily="2" charset="0"/>
               </a:rPr>
               <a:t>c</a:t>
@@ -4575,10 +4530,10 @@
       </p:sp>
       <p:sp>
         <p:nvSpPr>
-          <p:cNvPr id="55" name="TextBox 54">
-            <a:extLst>
-              <a:ext uri="{FF2B5EF4-FFF2-40B4-BE49-F238E27FC236}">
-                <a16:creationId xmlns:a16="http://schemas.microsoft.com/office/drawing/2014/main" id="{710C2D62-D773-E56B-DD10-8E35E61BC371}"/>
+          <p:cNvPr id="18" name="TextBox 17">
+            <a:extLst>
+              <a:ext uri="{FF2B5EF4-FFF2-40B4-BE49-F238E27FC236}">
+                <a16:creationId xmlns:a16="http://schemas.microsoft.com/office/drawing/2014/main" id="{30B1EE2B-493F-59C5-0385-076B4955687D}"/>
               </a:ext>
             </a:extLst>
           </p:cNvPr>
@@ -4587,8 +4542,8 @@
         </p:nvSpPr>
         <p:spPr>
           <a:xfrm>
-            <a:off x="528167" y="3502359"/>
-            <a:ext cx="248194" cy="215444"/>
+            <a:off x="0" y="2063261"/>
+            <a:ext cx="3223647" cy="1384995"/>
           </a:xfrm>
           <a:prstGeom prst="rect">
             <a:avLst/>
@@ -4601,820 +4556,82 @@
           </a:bodyPr>
           <a:lstStyle/>
           <a:p>
-            <a:r>
-              <a:rPr lang="en-US" sz="800" b="1" dirty="0">
-                <a:latin typeface="Helvetica" pitchFamily="2" charset="0"/>
-              </a:rPr>
-              <a:t>d</a:t>
-            </a:r>
-          </a:p>
-        </p:txBody>
-      </p:sp>
-      <p:sp>
-        <p:nvSpPr>
-          <p:cNvPr id="56" name="TextBox 55">
-            <a:extLst>
-              <a:ext uri="{FF2B5EF4-FFF2-40B4-BE49-F238E27FC236}">
-                <a16:creationId xmlns:a16="http://schemas.microsoft.com/office/drawing/2014/main" id="{2755A3F9-C7D5-89D3-E912-84A3CE063818}"/>
-              </a:ext>
-            </a:extLst>
-          </p:cNvPr>
-          <p:cNvSpPr txBox="1"/>
-          <p:nvPr/>
-        </p:nvSpPr>
-        <p:spPr>
-          <a:xfrm>
-            <a:off x="508375" y="4064458"/>
-            <a:ext cx="248194" cy="215444"/>
-          </a:xfrm>
-          <a:prstGeom prst="rect">
-            <a:avLst/>
-          </a:prstGeom>
-          <a:noFill/>
-        </p:spPr>
-        <p:txBody>
-          <a:bodyPr wrap="square" rtlCol="0">
-            <a:spAutoFit/>
-          </a:bodyPr>
-          <a:lstStyle/>
-          <a:p>
-            <a:r>
-              <a:rPr lang="en-US" sz="800" b="1" dirty="0">
-                <a:latin typeface="Helvetica" pitchFamily="2" charset="0"/>
-              </a:rPr>
-              <a:t>e</a:t>
-            </a:r>
-          </a:p>
-        </p:txBody>
-      </p:sp>
-      <p:sp>
-        <p:nvSpPr>
-          <p:cNvPr id="57" name="TextBox 56">
-            <a:extLst>
-              <a:ext uri="{FF2B5EF4-FFF2-40B4-BE49-F238E27FC236}">
-                <a16:creationId xmlns:a16="http://schemas.microsoft.com/office/drawing/2014/main" id="{60FE5B63-1784-F1D8-B795-A4E8C6031F85}"/>
-              </a:ext>
-            </a:extLst>
-          </p:cNvPr>
-          <p:cNvSpPr txBox="1"/>
-          <p:nvPr/>
-        </p:nvSpPr>
-        <p:spPr>
-          <a:xfrm>
-            <a:off x="524209" y="4579056"/>
-            <a:ext cx="248194" cy="215444"/>
-          </a:xfrm>
-          <a:prstGeom prst="rect">
-            <a:avLst/>
-          </a:prstGeom>
-          <a:noFill/>
-        </p:spPr>
-        <p:txBody>
-          <a:bodyPr wrap="square" rtlCol="0">
-            <a:spAutoFit/>
-          </a:bodyPr>
-          <a:lstStyle/>
-          <a:p>
-            <a:r>
-              <a:rPr lang="en-US" sz="800" b="1" dirty="0">
-                <a:latin typeface="Helvetica" pitchFamily="2" charset="0"/>
-              </a:rPr>
-              <a:t>f</a:t>
-            </a:r>
-          </a:p>
-        </p:txBody>
-      </p:sp>
-      <p:sp>
-        <p:nvSpPr>
-          <p:cNvPr id="58" name="TextBox 57">
-            <a:extLst>
-              <a:ext uri="{FF2B5EF4-FFF2-40B4-BE49-F238E27FC236}">
-                <a16:creationId xmlns:a16="http://schemas.microsoft.com/office/drawing/2014/main" id="{3A6883D0-37A6-D33F-2249-ECB56E9E10EE}"/>
-              </a:ext>
-            </a:extLst>
-          </p:cNvPr>
-          <p:cNvSpPr txBox="1"/>
-          <p:nvPr/>
-        </p:nvSpPr>
-        <p:spPr>
-          <a:xfrm>
-            <a:off x="510354" y="5218344"/>
-            <a:ext cx="248194" cy="215444"/>
-          </a:xfrm>
-          <a:prstGeom prst="rect">
-            <a:avLst/>
-          </a:prstGeom>
-          <a:noFill/>
-        </p:spPr>
-        <p:txBody>
-          <a:bodyPr wrap="square" rtlCol="0">
-            <a:spAutoFit/>
-          </a:bodyPr>
-          <a:lstStyle/>
-          <a:p>
-            <a:r>
-              <a:rPr lang="en-US" sz="800" b="1" dirty="0">
-                <a:latin typeface="Helvetica" pitchFamily="2" charset="0"/>
-              </a:rPr>
-              <a:t>g</a:t>
-            </a:r>
-          </a:p>
-        </p:txBody>
-      </p:sp>
-      <p:sp>
-        <p:nvSpPr>
-          <p:cNvPr id="59" name="Right Brace 58">
-            <a:extLst>
-              <a:ext uri="{FF2B5EF4-FFF2-40B4-BE49-F238E27FC236}">
-                <a16:creationId xmlns:a16="http://schemas.microsoft.com/office/drawing/2014/main" id="{71D3130C-1707-5929-6F96-7EE9647076A8}"/>
-              </a:ext>
-            </a:extLst>
-          </p:cNvPr>
-          <p:cNvSpPr/>
-          <p:nvPr/>
-        </p:nvSpPr>
-        <p:spPr>
-          <a:xfrm rot="16200000">
-            <a:off x="2222419" y="2008259"/>
-            <a:ext cx="76671" cy="572551"/>
-          </a:xfrm>
-          <a:prstGeom prst="rightBrace">
-            <a:avLst/>
-          </a:prstGeom>
-          <a:ln w="6350">
-            <a:solidFill>
-              <a:schemeClr val="tx1"/>
-            </a:solidFill>
-          </a:ln>
-        </p:spPr>
-        <p:style>
-          <a:lnRef idx="2">
-            <a:schemeClr val="accent1"/>
-          </a:lnRef>
-          <a:fillRef idx="0">
-            <a:schemeClr val="accent1"/>
-          </a:fillRef>
-          <a:effectRef idx="1">
-            <a:schemeClr val="accent1"/>
-          </a:effectRef>
-          <a:fontRef idx="minor">
-            <a:schemeClr val="tx1"/>
-          </a:fontRef>
-        </p:style>
-        <p:txBody>
-          <a:bodyPr rtlCol="0" anchor="ctr"/>
-          <a:lstStyle/>
-          <a:p>
-            <a:pPr algn="ctr"/>
-            <a:endParaRPr lang="en-US"/>
-          </a:p>
-        </p:txBody>
-      </p:sp>
-      <p:sp>
-        <p:nvSpPr>
-          <p:cNvPr id="60" name="TextBox 59">
-            <a:extLst>
-              <a:ext uri="{FF2B5EF4-FFF2-40B4-BE49-F238E27FC236}">
-                <a16:creationId xmlns:a16="http://schemas.microsoft.com/office/drawing/2014/main" id="{2FF322E9-8975-B7BB-4C57-183FB5FC2742}"/>
-              </a:ext>
-            </a:extLst>
-          </p:cNvPr>
-          <p:cNvSpPr txBox="1"/>
-          <p:nvPr/>
-        </p:nvSpPr>
-        <p:spPr>
-          <a:xfrm>
-            <a:off x="1598882" y="2132225"/>
-            <a:ext cx="1274708" cy="184666"/>
-          </a:xfrm>
-          <a:prstGeom prst="rect">
-            <a:avLst/>
-          </a:prstGeom>
-          <a:noFill/>
-        </p:spPr>
-        <p:txBody>
-          <a:bodyPr wrap="none" rtlCol="0">
-            <a:spAutoFit/>
-          </a:bodyPr>
-          <a:lstStyle/>
-          <a:p>
-            <a:r>
-              <a:rPr lang="en-US" sz="600" dirty="0">
-                <a:latin typeface="Helvetica" pitchFamily="2" charset="0"/>
-              </a:rPr>
-              <a:t>Mean </a:t>
-            </a:r>
-            <a:r>
-              <a:rPr lang="en-US" sz="600" b="1" dirty="0">
-                <a:latin typeface="Helvetica" pitchFamily="2" charset="0"/>
-              </a:rPr>
-              <a:t>s</a:t>
-            </a:r>
-            <a:r>
-              <a:rPr lang="en-US" sz="600" dirty="0">
-                <a:latin typeface="Helvetica" pitchFamily="2" charset="0"/>
-              </a:rPr>
-              <a:t> expected from literature</a:t>
-            </a:r>
-          </a:p>
-        </p:txBody>
-      </p:sp>
-      <p:sp>
-        <p:nvSpPr>
-          <p:cNvPr id="61" name="TextBox 60">
-            <a:extLst>
-              <a:ext uri="{FF2B5EF4-FFF2-40B4-BE49-F238E27FC236}">
-                <a16:creationId xmlns:a16="http://schemas.microsoft.com/office/drawing/2014/main" id="{17E706D2-8A7B-87E8-389B-5758650C05C7}"/>
-              </a:ext>
-            </a:extLst>
-          </p:cNvPr>
-          <p:cNvSpPr txBox="1"/>
-          <p:nvPr/>
-        </p:nvSpPr>
-        <p:spPr>
-          <a:xfrm>
-            <a:off x="3420784" y="2109895"/>
-            <a:ext cx="1164101" cy="184666"/>
-          </a:xfrm>
-          <a:prstGeom prst="rect">
-            <a:avLst/>
-          </a:prstGeom>
-          <a:noFill/>
-        </p:spPr>
-        <p:txBody>
-          <a:bodyPr wrap="none" rtlCol="0">
-            <a:spAutoFit/>
-          </a:bodyPr>
-          <a:lstStyle/>
-          <a:p>
-            <a:r>
-              <a:rPr lang="en-US" sz="600" dirty="0">
-                <a:latin typeface="Helvetica" pitchFamily="2" charset="0"/>
-              </a:rPr>
-              <a:t>Strongly deleterious mean </a:t>
-            </a:r>
-            <a:r>
-              <a:rPr lang="en-US" sz="600" b="1" dirty="0">
-                <a:latin typeface="Helvetica" pitchFamily="2" charset="0"/>
-              </a:rPr>
-              <a:t>s</a:t>
-            </a:r>
-            <a:r>
-              <a:rPr lang="en-US" sz="600" dirty="0">
-                <a:latin typeface="Helvetica" pitchFamily="2" charset="0"/>
-              </a:rPr>
-              <a:t> </a:t>
-            </a:r>
-          </a:p>
-        </p:txBody>
-      </p:sp>
-      <p:cxnSp>
-        <p:nvCxnSpPr>
-          <p:cNvPr id="63" name="Straight Arrow Connector 62">
-            <a:extLst>
-              <a:ext uri="{FF2B5EF4-FFF2-40B4-BE49-F238E27FC236}">
-                <a16:creationId xmlns:a16="http://schemas.microsoft.com/office/drawing/2014/main" id="{13AA602E-41BB-93E8-6728-A75B57FC8F2F}"/>
-              </a:ext>
-            </a:extLst>
-          </p:cNvPr>
-          <p:cNvCxnSpPr>
-            <a:cxnSpLocks/>
-          </p:cNvCxnSpPr>
-          <p:nvPr/>
-        </p:nvCxnSpPr>
-        <p:spPr>
-          <a:xfrm>
-            <a:off x="4590273" y="2201218"/>
-            <a:ext cx="214999" cy="0"/>
-          </a:xfrm>
-          <a:prstGeom prst="straightConnector1">
-            <a:avLst/>
-          </a:prstGeom>
-          <a:ln w="6350">
-            <a:tailEnd type="triangle" w="sm" len="med"/>
-          </a:ln>
-        </p:spPr>
-        <p:style>
-          <a:lnRef idx="2">
-            <a:schemeClr val="dk1"/>
-          </a:lnRef>
-          <a:fillRef idx="0">
-            <a:schemeClr val="dk1"/>
-          </a:fillRef>
-          <a:effectRef idx="1">
-            <a:schemeClr val="dk1"/>
-          </a:effectRef>
-          <a:fontRef idx="minor">
-            <a:schemeClr val="tx1"/>
-          </a:fontRef>
-        </p:style>
-      </p:cxnSp>
-      <p:sp>
-        <p:nvSpPr>
-          <p:cNvPr id="9" name="Right Brace 8">
-            <a:extLst>
-              <a:ext uri="{FF2B5EF4-FFF2-40B4-BE49-F238E27FC236}">
-                <a16:creationId xmlns:a16="http://schemas.microsoft.com/office/drawing/2014/main" id="{00058205-2974-5C7B-1BD6-EEC5E04DB300}"/>
-              </a:ext>
-            </a:extLst>
-          </p:cNvPr>
-          <p:cNvSpPr/>
-          <p:nvPr/>
-        </p:nvSpPr>
-        <p:spPr>
-          <a:xfrm rot="16200000">
-            <a:off x="4255498" y="1051707"/>
-            <a:ext cx="93341" cy="2547719"/>
-          </a:xfrm>
-          <a:prstGeom prst="rightBrace">
-            <a:avLst/>
-          </a:prstGeom>
-          <a:ln w="6350">
-            <a:solidFill>
-              <a:schemeClr val="tx1"/>
-            </a:solidFill>
-          </a:ln>
-        </p:spPr>
-        <p:style>
-          <a:lnRef idx="2">
-            <a:schemeClr val="accent1"/>
-          </a:lnRef>
-          <a:fillRef idx="0">
-            <a:schemeClr val="accent1"/>
-          </a:fillRef>
-          <a:effectRef idx="1">
-            <a:schemeClr val="accent1"/>
-          </a:effectRef>
-          <a:fontRef idx="minor">
-            <a:schemeClr val="tx1"/>
-          </a:fontRef>
-        </p:style>
-        <p:txBody>
-          <a:bodyPr rtlCol="0" anchor="ctr"/>
-          <a:lstStyle/>
-          <a:p>
-            <a:pPr algn="ctr"/>
-            <a:endParaRPr lang="en-US"/>
-          </a:p>
-        </p:txBody>
-      </p:sp>
-      <p:sp>
-        <p:nvSpPr>
-          <p:cNvPr id="2" name="TextBox 1">
-            <a:extLst>
-              <a:ext uri="{FF2B5EF4-FFF2-40B4-BE49-F238E27FC236}">
-                <a16:creationId xmlns:a16="http://schemas.microsoft.com/office/drawing/2014/main" id="{68AC489F-6068-6C56-154F-BB88FC2FF523}"/>
-              </a:ext>
-            </a:extLst>
-          </p:cNvPr>
-          <p:cNvSpPr txBox="1"/>
-          <p:nvPr/>
-        </p:nvSpPr>
-        <p:spPr>
-          <a:xfrm>
-            <a:off x="974784" y="5832655"/>
-            <a:ext cx="474810" cy="184666"/>
-          </a:xfrm>
-          <a:prstGeom prst="rect">
-            <a:avLst/>
-          </a:prstGeom>
-          <a:noFill/>
-        </p:spPr>
-        <p:txBody>
-          <a:bodyPr wrap="none" rtlCol="0">
-            <a:spAutoFit/>
-          </a:bodyPr>
-          <a:lstStyle/>
-          <a:p>
-            <a:r>
-              <a:rPr lang="en-US" sz="600" b="1" dirty="0">
-                <a:latin typeface="Helvetica" pitchFamily="2" charset="0"/>
-              </a:rPr>
-              <a:t>True </a:t>
-            </a:r>
-            <a:r>
-              <a:rPr lang="en-US" sz="600" b="1" dirty="0" err="1">
-                <a:latin typeface="Helvetica" pitchFamily="2" charset="0"/>
-              </a:rPr>
+            <a:pPr algn="just"/>
+            <a:r>
+              <a:rPr lang="en-US" sz="1050" b="1" dirty="0"/>
+              <a:t>Figure 2. Measuring mutation rate reduction on individual components of genic regions.</a:t>
+            </a:r>
+            <a:r>
+              <a:rPr lang="en-US" sz="1050" dirty="0"/>
+              <a:t> Visualization only includes simulations with strongly deleterious non-synonymous mutations (s&gt;0.03) </a:t>
+            </a:r>
+            <a:r>
+              <a:rPr lang="en-US" sz="1050" b="1" dirty="0"/>
+              <a:t>a</a:t>
+            </a:r>
+            <a:r>
+              <a:rPr lang="en-US" sz="1050" dirty="0"/>
+              <a:t>) The reduction of non-synonymous mutations (</a:t>
+            </a:r>
+            <a:r>
+              <a:rPr lang="el-GR" sz="1050" dirty="0" err="1"/>
               <a:t>Δμ</a:t>
             </a:r>
-            <a:endParaRPr lang="en-US" sz="600" b="1" dirty="0">
-              <a:latin typeface="Helvetica" pitchFamily="2" charset="0"/>
-            </a:endParaRPr>
-          </a:p>
-        </p:txBody>
-      </p:sp>
-      <p:sp>
-        <p:nvSpPr>
-          <p:cNvPr id="8" name="TextBox 7">
-            <a:extLst>
-              <a:ext uri="{FF2B5EF4-FFF2-40B4-BE49-F238E27FC236}">
-                <a16:creationId xmlns:a16="http://schemas.microsoft.com/office/drawing/2014/main" id="{7FF7FC46-F7AB-9E93-5EE3-4B635659FAF5}"/>
-              </a:ext>
-            </a:extLst>
-          </p:cNvPr>
-          <p:cNvSpPr txBox="1"/>
-          <p:nvPr/>
-        </p:nvSpPr>
-        <p:spPr>
-          <a:xfrm>
-            <a:off x="5548163" y="3796128"/>
-            <a:ext cx="466794" cy="184666"/>
-          </a:xfrm>
-          <a:prstGeom prst="rect">
-            <a:avLst/>
-          </a:prstGeom>
-          <a:noFill/>
-        </p:spPr>
-        <p:txBody>
-          <a:bodyPr wrap="none" rtlCol="0">
-            <a:spAutoFit/>
-          </a:bodyPr>
-          <a:lstStyle/>
-          <a:p>
-            <a:r>
-              <a:rPr lang="en-US" sz="600" dirty="0">
-                <a:solidFill>
-                  <a:schemeClr val="tx1">
-                    <a:lumMod val="50000"/>
-                    <a:lumOff val="50000"/>
-                  </a:schemeClr>
-                </a:solidFill>
-                <a:latin typeface="Helvetica" pitchFamily="2" charset="0"/>
-              </a:rPr>
-              <a:t>True </a:t>
-            </a:r>
-            <a:r>
-              <a:rPr lang="el-GR" sz="600" dirty="0" err="1">
-                <a:solidFill>
-                  <a:schemeClr val="tx1">
-                    <a:lumMod val="50000"/>
-                    <a:lumOff val="50000"/>
-                  </a:schemeClr>
-                </a:solidFill>
-                <a:latin typeface="Helvetica" pitchFamily="2" charset="0"/>
-              </a:rPr>
+            <a:r>
+              <a:rPr lang="en-US" sz="1050" baseline="-25000" dirty="0"/>
+              <a:t>NS</a:t>
+            </a:r>
+            <a:r>
+              <a:rPr lang="en-US" sz="1050" dirty="0"/>
+              <a:t>) </a:t>
+            </a:r>
+            <a:r>
+              <a:rPr lang="en-US" sz="1050" b="1" dirty="0"/>
+              <a:t>b</a:t>
+            </a:r>
+            <a:r>
+              <a:rPr lang="en-US" sz="1050" dirty="0"/>
+              <a:t>) The reduction of non-coding genic (i.e. introns or untranslated regions) mutations (</a:t>
+            </a:r>
+            <a:r>
+              <a:rPr lang="el-GR" sz="1050" dirty="0" err="1"/>
               <a:t>Δμ</a:t>
             </a:r>
-            <a:endParaRPr lang="el-GR" sz="600" dirty="0">
-              <a:solidFill>
-                <a:schemeClr val="tx1">
-                  <a:lumMod val="50000"/>
-                  <a:lumOff val="50000"/>
-                </a:schemeClr>
-              </a:solidFill>
-              <a:latin typeface="Helvetica" pitchFamily="2" charset="0"/>
-            </a:endParaRPr>
-          </a:p>
-        </p:txBody>
-      </p:sp>
-      <p:cxnSp>
-        <p:nvCxnSpPr>
-          <p:cNvPr id="12" name="Straight Connector 11">
-            <a:extLst>
-              <a:ext uri="{FF2B5EF4-FFF2-40B4-BE49-F238E27FC236}">
-                <a16:creationId xmlns:a16="http://schemas.microsoft.com/office/drawing/2014/main" id="{789CA7C0-5902-2132-5DA5-EEB5AC3A70ED}"/>
-              </a:ext>
-            </a:extLst>
-          </p:cNvPr>
-          <p:cNvCxnSpPr>
-            <a:cxnSpLocks/>
-          </p:cNvCxnSpPr>
-          <p:nvPr/>
-        </p:nvCxnSpPr>
-        <p:spPr>
-          <a:xfrm flipV="1">
-            <a:off x="5648980" y="3654930"/>
-            <a:ext cx="170910" cy="174396"/>
-          </a:xfrm>
-          <a:prstGeom prst="line">
-            <a:avLst/>
-          </a:prstGeom>
-          <a:ln w="12700">
-            <a:solidFill>
-              <a:schemeClr val="bg2">
-                <a:lumMod val="50000"/>
-              </a:schemeClr>
-            </a:solidFill>
-            <a:prstDash val="dash"/>
-          </a:ln>
-        </p:spPr>
-        <p:style>
-          <a:lnRef idx="2">
-            <a:schemeClr val="accent1"/>
-          </a:lnRef>
-          <a:fillRef idx="0">
-            <a:schemeClr val="accent1"/>
-          </a:fillRef>
-          <a:effectRef idx="1">
-            <a:schemeClr val="accent1"/>
-          </a:effectRef>
-          <a:fontRef idx="minor">
-            <a:schemeClr val="tx1"/>
-          </a:fontRef>
-        </p:style>
-      </p:cxnSp>
-      <p:cxnSp>
-        <p:nvCxnSpPr>
-          <p:cNvPr id="17" name="Straight Connector 16">
-            <a:extLst>
-              <a:ext uri="{FF2B5EF4-FFF2-40B4-BE49-F238E27FC236}">
-                <a16:creationId xmlns:a16="http://schemas.microsoft.com/office/drawing/2014/main" id="{FD43F836-3244-6857-D06E-BFF2829E3FD3}"/>
-              </a:ext>
-            </a:extLst>
-          </p:cNvPr>
-          <p:cNvCxnSpPr>
-            <a:cxnSpLocks/>
-          </p:cNvCxnSpPr>
-          <p:nvPr/>
-        </p:nvCxnSpPr>
-        <p:spPr>
-          <a:xfrm>
-            <a:off x="5642286" y="4262891"/>
-            <a:ext cx="254180" cy="0"/>
-          </a:xfrm>
-          <a:prstGeom prst="line">
-            <a:avLst/>
-          </a:prstGeom>
-          <a:ln w="12700">
-            <a:solidFill>
-              <a:schemeClr val="bg2">
-                <a:lumMod val="50000"/>
-              </a:schemeClr>
-            </a:solidFill>
-            <a:prstDash val="dash"/>
-          </a:ln>
-        </p:spPr>
-        <p:style>
-          <a:lnRef idx="2">
-            <a:schemeClr val="accent1"/>
-          </a:lnRef>
-          <a:fillRef idx="0">
-            <a:schemeClr val="accent1"/>
-          </a:fillRef>
-          <a:effectRef idx="1">
-            <a:schemeClr val="accent1"/>
-          </a:effectRef>
-          <a:fontRef idx="minor">
-            <a:schemeClr val="tx1"/>
-          </a:fontRef>
-        </p:style>
-      </p:cxnSp>
-      <p:cxnSp>
-        <p:nvCxnSpPr>
-          <p:cNvPr id="19" name="Straight Connector 18">
-            <a:extLst>
-              <a:ext uri="{FF2B5EF4-FFF2-40B4-BE49-F238E27FC236}">
-                <a16:creationId xmlns:a16="http://schemas.microsoft.com/office/drawing/2014/main" id="{FDB1860E-3677-48C3-2A02-3639B82C8206}"/>
-              </a:ext>
-            </a:extLst>
-          </p:cNvPr>
-          <p:cNvCxnSpPr>
-            <a:cxnSpLocks/>
-          </p:cNvCxnSpPr>
-          <p:nvPr/>
-        </p:nvCxnSpPr>
-        <p:spPr>
-          <a:xfrm>
-            <a:off x="5629717" y="5191090"/>
-            <a:ext cx="254180" cy="0"/>
-          </a:xfrm>
-          <a:prstGeom prst="line">
-            <a:avLst/>
-          </a:prstGeom>
-          <a:ln w="12700">
-            <a:solidFill>
-              <a:schemeClr val="bg2">
-                <a:lumMod val="50000"/>
-              </a:schemeClr>
-            </a:solidFill>
-            <a:prstDash val="dash"/>
-          </a:ln>
-        </p:spPr>
-        <p:style>
-          <a:lnRef idx="2">
-            <a:schemeClr val="accent1"/>
-          </a:lnRef>
-          <a:fillRef idx="0">
-            <a:schemeClr val="accent1"/>
-          </a:fillRef>
-          <a:effectRef idx="1">
-            <a:schemeClr val="accent1"/>
-          </a:effectRef>
-          <a:fontRef idx="minor">
-            <a:schemeClr val="tx1"/>
-          </a:fontRef>
-        </p:style>
-      </p:cxnSp>
-      <p:sp>
-        <p:nvSpPr>
-          <p:cNvPr id="20" name="TextBox 19">
-            <a:extLst>
-              <a:ext uri="{FF2B5EF4-FFF2-40B4-BE49-F238E27FC236}">
-                <a16:creationId xmlns:a16="http://schemas.microsoft.com/office/drawing/2014/main" id="{D500527E-84AB-3928-CC45-ECC0CEA6ED30}"/>
-              </a:ext>
-            </a:extLst>
-          </p:cNvPr>
-          <p:cNvSpPr txBox="1"/>
-          <p:nvPr/>
-        </p:nvSpPr>
-        <p:spPr>
-          <a:xfrm>
-            <a:off x="5530081" y="5490610"/>
-            <a:ext cx="466794" cy="184666"/>
-          </a:xfrm>
-          <a:prstGeom prst="rect">
-            <a:avLst/>
-          </a:prstGeom>
-          <a:noFill/>
-        </p:spPr>
-        <p:txBody>
-          <a:bodyPr wrap="none" rtlCol="0">
-            <a:spAutoFit/>
-          </a:bodyPr>
-          <a:lstStyle/>
-          <a:p>
-            <a:r>
-              <a:rPr lang="en-US" sz="600" dirty="0">
-                <a:solidFill>
-                  <a:schemeClr val="tx1">
-                    <a:lumMod val="50000"/>
-                    <a:lumOff val="50000"/>
-                  </a:schemeClr>
-                </a:solidFill>
-                <a:latin typeface="Helvetica" pitchFamily="2" charset="0"/>
-              </a:rPr>
-              <a:t>True </a:t>
-            </a:r>
-            <a:r>
-              <a:rPr lang="el-GR" sz="600" dirty="0" err="1">
-                <a:solidFill>
-                  <a:schemeClr val="tx1">
-                    <a:lumMod val="50000"/>
-                    <a:lumOff val="50000"/>
-                  </a:schemeClr>
-                </a:solidFill>
-                <a:latin typeface="Helvetica" pitchFamily="2" charset="0"/>
-              </a:rPr>
+            <a:r>
+              <a:rPr lang="en-US" sz="1050" baseline="-25000" dirty="0"/>
+              <a:t>NC</a:t>
+            </a:r>
+            <a:r>
+              <a:rPr lang="en-US" sz="1050" dirty="0"/>
+              <a:t>) </a:t>
+            </a:r>
+            <a:r>
+              <a:rPr lang="en-US" sz="1050" b="1" dirty="0"/>
+              <a:t>c</a:t>
+            </a:r>
+            <a:r>
+              <a:rPr lang="en-US" sz="1050" dirty="0"/>
+              <a:t>) The reduction of synonymous mutations (</a:t>
+            </a:r>
+            <a:r>
+              <a:rPr lang="el-GR" sz="1050" dirty="0" err="1"/>
               <a:t>Δμ</a:t>
             </a:r>
-            <a:endParaRPr lang="el-GR" sz="600" dirty="0">
-              <a:solidFill>
-                <a:schemeClr val="tx1">
-                  <a:lumMod val="50000"/>
-                  <a:lumOff val="50000"/>
-                </a:schemeClr>
-              </a:solidFill>
-              <a:latin typeface="Helvetica" pitchFamily="2" charset="0"/>
-            </a:endParaRPr>
-          </a:p>
-        </p:txBody>
-      </p:sp>
-      <p:cxnSp>
-        <p:nvCxnSpPr>
-          <p:cNvPr id="21" name="Straight Connector 20">
-            <a:extLst>
-              <a:ext uri="{FF2B5EF4-FFF2-40B4-BE49-F238E27FC236}">
-                <a16:creationId xmlns:a16="http://schemas.microsoft.com/office/drawing/2014/main" id="{2D5363BD-BD9B-8D34-2939-C74B732F0F00}"/>
-              </a:ext>
-            </a:extLst>
-          </p:cNvPr>
-          <p:cNvCxnSpPr>
-            <a:cxnSpLocks/>
-          </p:cNvCxnSpPr>
-          <p:nvPr/>
-        </p:nvCxnSpPr>
-        <p:spPr>
-          <a:xfrm flipV="1">
-            <a:off x="5630898" y="5349412"/>
-            <a:ext cx="170910" cy="174396"/>
-          </a:xfrm>
-          <a:prstGeom prst="line">
-            <a:avLst/>
-          </a:prstGeom>
-          <a:ln w="12700">
-            <a:solidFill>
-              <a:schemeClr val="bg2">
-                <a:lumMod val="50000"/>
-              </a:schemeClr>
-            </a:solidFill>
-            <a:prstDash val="dash"/>
-          </a:ln>
-        </p:spPr>
-        <p:style>
-          <a:lnRef idx="2">
-            <a:schemeClr val="accent1"/>
-          </a:lnRef>
-          <a:fillRef idx="0">
-            <a:schemeClr val="accent1"/>
-          </a:fillRef>
-          <a:effectRef idx="1">
-            <a:schemeClr val="accent1"/>
-          </a:effectRef>
-          <a:fontRef idx="minor">
-            <a:schemeClr val="tx1"/>
-          </a:fontRef>
-        </p:style>
-      </p:cxnSp>
-      <p:pic>
-        <p:nvPicPr>
-          <p:cNvPr id="3" name="Picture 2" descr="A diagram of a cell cycle&#10;&#10;Description automatically generated">
-            <a:extLst>
-              <a:ext uri="{FF2B5EF4-FFF2-40B4-BE49-F238E27FC236}">
-                <a16:creationId xmlns:a16="http://schemas.microsoft.com/office/drawing/2014/main" id="{EC9DDBE4-1AC8-69EF-B05B-603BC1E6CB79}"/>
-              </a:ext>
-            </a:extLst>
-          </p:cNvPr>
-          <p:cNvPicPr>
-            <a:picLocks noChangeAspect="1"/>
-          </p:cNvPicPr>
-          <p:nvPr/>
-        </p:nvPicPr>
-        <p:blipFill>
-          <a:blip r:embed="rId5"/>
-          <a:srcRect b="70061"/>
-          <a:stretch/>
-        </p:blipFill>
-        <p:spPr>
-          <a:xfrm>
-            <a:off x="520700" y="479797"/>
-            <a:ext cx="2603500" cy="1432593"/>
-          </a:xfrm>
-          <a:prstGeom prst="rect">
-            <a:avLst/>
-          </a:prstGeom>
-        </p:spPr>
-      </p:pic>
-      <p:sp>
-        <p:nvSpPr>
-          <p:cNvPr id="10" name="TextBox 9">
-            <a:extLst>
-              <a:ext uri="{FF2B5EF4-FFF2-40B4-BE49-F238E27FC236}">
-                <a16:creationId xmlns:a16="http://schemas.microsoft.com/office/drawing/2014/main" id="{B5668843-5674-E7C6-1C2E-B00AA1508A30}"/>
-              </a:ext>
-            </a:extLst>
-          </p:cNvPr>
-          <p:cNvSpPr txBox="1"/>
-          <p:nvPr/>
-        </p:nvSpPr>
-        <p:spPr>
-          <a:xfrm>
-            <a:off x="767443" y="482006"/>
-            <a:ext cx="880369" cy="200055"/>
-          </a:xfrm>
-          <a:prstGeom prst="rect">
-            <a:avLst/>
-          </a:prstGeom>
-          <a:noFill/>
-        </p:spPr>
-        <p:txBody>
-          <a:bodyPr wrap="none" rtlCol="0">
-            <a:spAutoFit/>
-          </a:bodyPr>
-          <a:lstStyle/>
-          <a:p>
-            <a:r>
-              <a:rPr lang="en-US" sz="700" dirty="0">
-                <a:latin typeface="Helvetica" pitchFamily="2" charset="0"/>
-              </a:rPr>
-              <a:t>Simulation SLiM3</a:t>
-            </a:r>
-          </a:p>
-        </p:txBody>
-      </p:sp>
-      <p:pic>
-        <p:nvPicPr>
-          <p:cNvPr id="11" name="Picture 10" descr="A diagram of a cell cycle&#10;&#10;Description automatically generated">
-            <a:extLst>
-              <a:ext uri="{FF2B5EF4-FFF2-40B4-BE49-F238E27FC236}">
-                <a16:creationId xmlns:a16="http://schemas.microsoft.com/office/drawing/2014/main" id="{FA56272C-B492-A1D4-0E1A-415FCE4605EB}"/>
-              </a:ext>
-            </a:extLst>
-          </p:cNvPr>
-          <p:cNvPicPr>
-            <a:picLocks noChangeAspect="1"/>
-          </p:cNvPicPr>
-          <p:nvPr/>
-        </p:nvPicPr>
-        <p:blipFill>
-          <a:blip r:embed="rId5"/>
-          <a:srcRect t="28158"/>
-          <a:stretch/>
-        </p:blipFill>
-        <p:spPr>
-          <a:xfrm>
-            <a:off x="3568700" y="0"/>
-            <a:ext cx="1551463" cy="2048579"/>
-          </a:xfrm>
-          <a:prstGeom prst="rect">
-            <a:avLst/>
-          </a:prstGeom>
-        </p:spPr>
-      </p:pic>
+            <a:r>
+              <a:rPr lang="en-US" sz="1050" baseline="-25000" dirty="0"/>
+              <a:t>S</a:t>
+            </a:r>
+            <a:r>
+              <a:rPr lang="en-US" sz="1050" dirty="0"/>
+              <a:t>). </a:t>
+            </a:r>
+          </a:p>
+        </p:txBody>
+      </p:sp>
     </p:spTree>
     <p:extLst>
       <p:ext uri="{BB962C8B-B14F-4D97-AF65-F5344CB8AC3E}">
-        <p14:creationId xmlns:p14="http://schemas.microsoft.com/office/powerpoint/2010/main" val="330129077"/>
+        <p14:creationId xmlns:p14="http://schemas.microsoft.com/office/powerpoint/2010/main" val="847072028"/>
       </p:ext>
     </p:extLst>
   </p:cSld>
@@ -5443,10 +4660,10 @@
       </p:grpSpPr>
       <p:sp>
         <p:nvSpPr>
-          <p:cNvPr id="5" name="TextBox 4">
-            <a:extLst>
-              <a:ext uri="{FF2B5EF4-FFF2-40B4-BE49-F238E27FC236}">
-                <a16:creationId xmlns:a16="http://schemas.microsoft.com/office/drawing/2014/main" id="{6BCED9E7-A7D3-4504-49FC-3E2C0C8FA24C}"/>
+          <p:cNvPr id="12" name="TextBox 11">
+            <a:extLst>
+              <a:ext uri="{FF2B5EF4-FFF2-40B4-BE49-F238E27FC236}">
+                <a16:creationId xmlns:a16="http://schemas.microsoft.com/office/drawing/2014/main" id="{04F5CDC6-5B22-4D16-B351-4AEEE7950168}"/>
               </a:ext>
             </a:extLst>
           </p:cNvPr>
@@ -5455,8 +4672,8 @@
         </p:nvSpPr>
         <p:spPr>
           <a:xfrm>
-            <a:off x="0" y="136792"/>
-            <a:ext cx="1242648" cy="200055"/>
+            <a:off x="0" y="3376907"/>
+            <a:ext cx="3223647" cy="2516073"/>
           </a:xfrm>
           <a:prstGeom prst="rect">
             <a:avLst/>
@@ -5464,208 +4681,19 @@
           <a:noFill/>
         </p:spPr>
         <p:txBody>
-          <a:bodyPr wrap="none" rtlCol="0">
+          <a:bodyPr wrap="square" rtlCol="0">
             <a:spAutoFit/>
           </a:bodyPr>
           <a:lstStyle/>
           <a:p>
-            <a:r>
-              <a:rPr lang="en-US" sz="700" dirty="0">
-                <a:latin typeface="Helvetica" pitchFamily="2" charset="0"/>
-              </a:rPr>
-              <a:t>s (on Non-synonymous) = </a:t>
-            </a:r>
-          </a:p>
-        </p:txBody>
-      </p:sp>
-      <p:cxnSp>
-        <p:nvCxnSpPr>
-          <p:cNvPr id="6" name="Straight Connector 5">
-            <a:extLst>
-              <a:ext uri="{FF2B5EF4-FFF2-40B4-BE49-F238E27FC236}">
-                <a16:creationId xmlns:a16="http://schemas.microsoft.com/office/drawing/2014/main" id="{EF0D766C-BB5A-7048-C505-ABE2491C6429}"/>
-              </a:ext>
-            </a:extLst>
-          </p:cNvPr>
-          <p:cNvCxnSpPr>
-            <a:cxnSpLocks/>
-          </p:cNvCxnSpPr>
-          <p:nvPr/>
-        </p:nvCxnSpPr>
-        <p:spPr>
-          <a:xfrm>
-            <a:off x="2976158" y="240975"/>
-            <a:ext cx="117643" cy="0"/>
-          </a:xfrm>
-          <a:prstGeom prst="line">
-            <a:avLst/>
-          </a:prstGeom>
-          <a:ln>
-            <a:solidFill>
-              <a:srgbClr val="FF0000"/>
-            </a:solidFill>
-          </a:ln>
-        </p:spPr>
-        <p:style>
-          <a:lnRef idx="2">
-            <a:schemeClr val="dk1"/>
-          </a:lnRef>
-          <a:fillRef idx="0">
-            <a:schemeClr val="dk1"/>
-          </a:fillRef>
-          <a:effectRef idx="1">
-            <a:schemeClr val="dk1"/>
-          </a:effectRef>
-          <a:fontRef idx="minor">
-            <a:schemeClr val="tx1"/>
-          </a:fontRef>
-        </p:style>
-      </p:cxnSp>
-      <p:cxnSp>
-        <p:nvCxnSpPr>
-          <p:cNvPr id="7" name="Straight Connector 6">
-            <a:extLst>
-              <a:ext uri="{FF2B5EF4-FFF2-40B4-BE49-F238E27FC236}">
-                <a16:creationId xmlns:a16="http://schemas.microsoft.com/office/drawing/2014/main" id="{76A7850E-5E14-77AB-BB7C-826E4F7FCE68}"/>
-              </a:ext>
-            </a:extLst>
-          </p:cNvPr>
-          <p:cNvCxnSpPr>
-            <a:cxnSpLocks/>
-          </p:cNvCxnSpPr>
-          <p:nvPr/>
-        </p:nvCxnSpPr>
-        <p:spPr>
-          <a:xfrm>
-            <a:off x="2823757" y="238301"/>
-            <a:ext cx="117643" cy="0"/>
-          </a:xfrm>
-          <a:prstGeom prst="line">
-            <a:avLst/>
-          </a:prstGeom>
-        </p:spPr>
-        <p:style>
-          <a:lnRef idx="2">
-            <a:schemeClr val="dk1"/>
-          </a:lnRef>
-          <a:fillRef idx="0">
-            <a:schemeClr val="dk1"/>
-          </a:fillRef>
-          <a:effectRef idx="1">
-            <a:schemeClr val="dk1"/>
-          </a:effectRef>
-          <a:fontRef idx="minor">
-            <a:schemeClr val="tx1"/>
-          </a:fontRef>
-        </p:style>
-      </p:cxnSp>
-      <p:sp>
-        <p:nvSpPr>
-          <p:cNvPr id="8" name="TextBox 7">
-            <a:extLst>
-              <a:ext uri="{FF2B5EF4-FFF2-40B4-BE49-F238E27FC236}">
-                <a16:creationId xmlns:a16="http://schemas.microsoft.com/office/drawing/2014/main" id="{82AA5D2E-C4AD-B0F7-0889-DF221509EFB2}"/>
-              </a:ext>
-            </a:extLst>
-          </p:cNvPr>
-          <p:cNvSpPr txBox="1"/>
-          <p:nvPr/>
-        </p:nvSpPr>
-        <p:spPr>
-          <a:xfrm>
-            <a:off x="2766841" y="79326"/>
-            <a:ext cx="234360" cy="200055"/>
-          </a:xfrm>
-          <a:prstGeom prst="rect">
-            <a:avLst/>
-          </a:prstGeom>
-          <a:noFill/>
-        </p:spPr>
-        <p:txBody>
-          <a:bodyPr wrap="none" rtlCol="0">
-            <a:spAutoFit/>
-          </a:bodyPr>
-          <a:lstStyle/>
-          <a:p>
-            <a:r>
-              <a:rPr lang="en-US" sz="700" dirty="0">
-                <a:latin typeface="Helvetica" pitchFamily="2" charset="0"/>
-              </a:rPr>
-              <a:t>0</a:t>
-            </a:r>
-          </a:p>
-        </p:txBody>
-      </p:sp>
-      <p:sp>
-        <p:nvSpPr>
-          <p:cNvPr id="9" name="TextBox 8">
-            <a:extLst>
-              <a:ext uri="{FF2B5EF4-FFF2-40B4-BE49-F238E27FC236}">
-                <a16:creationId xmlns:a16="http://schemas.microsoft.com/office/drawing/2014/main" id="{25542F28-585B-8130-2C7E-AF2F7014C3D5}"/>
-              </a:ext>
-            </a:extLst>
-          </p:cNvPr>
-          <p:cNvSpPr txBox="1"/>
-          <p:nvPr/>
-        </p:nvSpPr>
-        <p:spPr>
-          <a:xfrm>
-            <a:off x="2924590" y="75206"/>
-            <a:ext cx="234360" cy="200055"/>
-          </a:xfrm>
-          <a:prstGeom prst="rect">
-            <a:avLst/>
-          </a:prstGeom>
-          <a:noFill/>
-        </p:spPr>
-        <p:txBody>
-          <a:bodyPr wrap="none" rtlCol="0">
-            <a:spAutoFit/>
-          </a:bodyPr>
-          <a:lstStyle/>
-          <a:p>
-            <a:r>
-              <a:rPr lang="en-US" sz="700" dirty="0">
-                <a:latin typeface="Helvetica" pitchFamily="2" charset="0"/>
-              </a:rPr>
-              <a:t>1</a:t>
-            </a:r>
-          </a:p>
-        </p:txBody>
-      </p:sp>
-      <p:sp>
-        <p:nvSpPr>
-          <p:cNvPr id="10" name="TextBox 9">
-            <a:extLst>
-              <a:ext uri="{FF2B5EF4-FFF2-40B4-BE49-F238E27FC236}">
-                <a16:creationId xmlns:a16="http://schemas.microsoft.com/office/drawing/2014/main" id="{06848091-28ED-5F87-AB4C-610DE2A0E212}"/>
-              </a:ext>
-            </a:extLst>
-          </p:cNvPr>
-          <p:cNvSpPr txBox="1"/>
-          <p:nvPr/>
-        </p:nvSpPr>
-        <p:spPr>
-          <a:xfrm>
-            <a:off x="1306429" y="119315"/>
-            <a:ext cx="1625766" cy="200055"/>
-          </a:xfrm>
-          <a:prstGeom prst="rect">
-            <a:avLst/>
-          </a:prstGeom>
-          <a:noFill/>
-        </p:spPr>
-        <p:txBody>
-          <a:bodyPr wrap="none" rtlCol="0">
-            <a:spAutoFit/>
-          </a:bodyPr>
-          <a:lstStyle/>
-          <a:p>
-            <a:r>
-              <a:rPr lang="en-US" sz="700" dirty="0">
-                <a:latin typeface="Helvetica" pitchFamily="2" charset="0"/>
-              </a:rPr>
-              <a:t>Dominance of Non-synonymous = </a:t>
+            <a:pPr algn="just"/>
+            <a:r>
+              <a:rPr lang="en-US" sz="1050" b="1" dirty="0"/>
+              <a:t>Figure 3. </a:t>
+            </a:r>
+            <a:r>
+              <a:rPr lang="en-US" sz="1050" dirty="0"/>
+              <a:t>Genic mutation fraction vs. nonsynonymous/synonymous (NS/S) ratio for individual Arabidopsis MA datasets (points with 95% bootstrapped CIs, B = 1,000). The vertical dashed line (NS/S = 2.74, dark red) is the neutral expectation from spectrum × codon use; the horizontal dashed line (0.51, dark red) is the genome-wide genic fraction. All datasets fall below the genic expectation (consistent with a genic mutation bias), but all NS/S CIs overlap the neutral expectation (i.e. we do not detect systematic purifying selection on coding mutations in any dataset). Genic fraction and NS/S were not correlated across datasets: those with a lower fraction of mutations in genes did not show a correspondingly lower NS/S ratio.</a:t>
             </a:r>
           </a:p>
         </p:txBody>
@@ -5675,7 +4703,7 @@
           <p:cNvPr id="14" name="Picture 13">
             <a:extLst>
               <a:ext uri="{FF2B5EF4-FFF2-40B4-BE49-F238E27FC236}">
-                <a16:creationId xmlns:a16="http://schemas.microsoft.com/office/drawing/2014/main" id="{333548E1-764A-8CD3-D659-21B2E71A2FBE}"/>
+                <a16:creationId xmlns:a16="http://schemas.microsoft.com/office/drawing/2014/main" id="{A6CA9303-D963-F5A4-CB89-E666A04F17F4}"/>
               </a:ext>
             </a:extLst>
           </p:cNvPr>
@@ -5692,228 +4720,18 @@
         </p:blipFill>
         <p:spPr>
           <a:xfrm>
-            <a:off x="0" y="304800"/>
-            <a:ext cx="3200400" cy="1828800"/>
+            <a:off x="0" y="160255"/>
+            <a:ext cx="3200400" cy="3200400"/>
           </a:xfrm>
           <a:prstGeom prst="rect">
             <a:avLst/>
           </a:prstGeom>
         </p:spPr>
       </p:pic>
-      <p:sp>
-        <p:nvSpPr>
-          <p:cNvPr id="15" name="TextBox 14">
-            <a:extLst>
-              <a:ext uri="{FF2B5EF4-FFF2-40B4-BE49-F238E27FC236}">
-                <a16:creationId xmlns:a16="http://schemas.microsoft.com/office/drawing/2014/main" id="{1FBC5B42-8E11-EC8F-B26C-581FD24A7F0E}"/>
-              </a:ext>
-            </a:extLst>
-          </p:cNvPr>
-          <p:cNvSpPr txBox="1"/>
-          <p:nvPr/>
-        </p:nvSpPr>
-        <p:spPr>
-          <a:xfrm>
-            <a:off x="-45521" y="251360"/>
-            <a:ext cx="248194" cy="230832"/>
-          </a:xfrm>
-          <a:prstGeom prst="rect">
-            <a:avLst/>
-          </a:prstGeom>
-          <a:noFill/>
-        </p:spPr>
-        <p:txBody>
-          <a:bodyPr wrap="square" rtlCol="0">
-            <a:spAutoFit/>
-          </a:bodyPr>
-          <a:lstStyle/>
-          <a:p>
-            <a:r>
-              <a:rPr lang="en-US" sz="900" b="1" dirty="0">
-                <a:latin typeface="Helvetica" pitchFamily="2" charset="0"/>
-              </a:rPr>
-              <a:t>a</a:t>
-            </a:r>
-          </a:p>
-        </p:txBody>
-      </p:sp>
-      <p:sp>
-        <p:nvSpPr>
-          <p:cNvPr id="16" name="TextBox 15">
-            <a:extLst>
-              <a:ext uri="{FF2B5EF4-FFF2-40B4-BE49-F238E27FC236}">
-                <a16:creationId xmlns:a16="http://schemas.microsoft.com/office/drawing/2014/main" id="{9A373581-A538-F3BC-5D71-647AC05C2463}"/>
-              </a:ext>
-            </a:extLst>
-          </p:cNvPr>
-          <p:cNvSpPr txBox="1"/>
-          <p:nvPr/>
-        </p:nvSpPr>
-        <p:spPr>
-          <a:xfrm>
-            <a:off x="-65313" y="825334"/>
-            <a:ext cx="248194" cy="230832"/>
-          </a:xfrm>
-          <a:prstGeom prst="rect">
-            <a:avLst/>
-          </a:prstGeom>
-          <a:noFill/>
-        </p:spPr>
-        <p:txBody>
-          <a:bodyPr wrap="square" rtlCol="0">
-            <a:spAutoFit/>
-          </a:bodyPr>
-          <a:lstStyle/>
-          <a:p>
-            <a:r>
-              <a:rPr lang="en-US" sz="900" b="1" dirty="0">
-                <a:latin typeface="Helvetica" pitchFamily="2" charset="0"/>
-              </a:rPr>
-              <a:t>b</a:t>
-            </a:r>
-          </a:p>
-        </p:txBody>
-      </p:sp>
-      <p:sp>
-        <p:nvSpPr>
-          <p:cNvPr id="17" name="TextBox 16">
-            <a:extLst>
-              <a:ext uri="{FF2B5EF4-FFF2-40B4-BE49-F238E27FC236}">
-                <a16:creationId xmlns:a16="http://schemas.microsoft.com/office/drawing/2014/main" id="{B0702B97-7D17-4083-917A-04682793E1BB}"/>
-              </a:ext>
-            </a:extLst>
-          </p:cNvPr>
-          <p:cNvSpPr txBox="1"/>
-          <p:nvPr/>
-        </p:nvSpPr>
-        <p:spPr>
-          <a:xfrm>
-            <a:off x="-73230" y="1399308"/>
-            <a:ext cx="248194" cy="230832"/>
-          </a:xfrm>
-          <a:prstGeom prst="rect">
-            <a:avLst/>
-          </a:prstGeom>
-          <a:noFill/>
-        </p:spPr>
-        <p:txBody>
-          <a:bodyPr wrap="square" rtlCol="0">
-            <a:spAutoFit/>
-          </a:bodyPr>
-          <a:lstStyle/>
-          <a:p>
-            <a:r>
-              <a:rPr lang="en-US" sz="900" b="1" dirty="0">
-                <a:latin typeface="Helvetica" pitchFamily="2" charset="0"/>
-              </a:rPr>
-              <a:t>c</a:t>
-            </a:r>
-          </a:p>
-        </p:txBody>
-      </p:sp>
-      <p:sp>
-        <p:nvSpPr>
-          <p:cNvPr id="18" name="TextBox 17">
-            <a:extLst>
-              <a:ext uri="{FF2B5EF4-FFF2-40B4-BE49-F238E27FC236}">
-                <a16:creationId xmlns:a16="http://schemas.microsoft.com/office/drawing/2014/main" id="{30B1EE2B-493F-59C5-0385-076B4955687D}"/>
-              </a:ext>
-            </a:extLst>
-          </p:cNvPr>
-          <p:cNvSpPr txBox="1"/>
-          <p:nvPr/>
-        </p:nvSpPr>
-        <p:spPr>
-          <a:xfrm>
-            <a:off x="0" y="2063261"/>
-            <a:ext cx="3223647" cy="1061829"/>
-          </a:xfrm>
-          <a:prstGeom prst="rect">
-            <a:avLst/>
-          </a:prstGeom>
-          <a:noFill/>
-        </p:spPr>
-        <p:txBody>
-          <a:bodyPr wrap="square" rtlCol="0">
-            <a:spAutoFit/>
-          </a:bodyPr>
-          <a:lstStyle/>
-          <a:p>
-            <a:r>
-              <a:rPr lang="en-US" sz="900" b="1" dirty="0"/>
-              <a:t>Figure 2. Measuring mutation rate reduction on individual components of genic regions.</a:t>
-            </a:r>
-            <a:r>
-              <a:rPr lang="en-US" sz="900" dirty="0"/>
-              <a:t> Visualization only includes simulations with strongly deleterious non-synonymous mutations (s&gt;0.03) </a:t>
-            </a:r>
-            <a:r>
-              <a:rPr lang="en-US" sz="900" b="1" dirty="0"/>
-              <a:t>a</a:t>
-            </a:r>
-            <a:r>
-              <a:rPr lang="en-US" sz="900" dirty="0"/>
-              <a:t>) The reduction of non-synonymous mutations (</a:t>
-            </a:r>
-            <a:r>
-              <a:rPr lang="el-GR" sz="900" dirty="0" err="1"/>
-              <a:t>Δμ</a:t>
-            </a:r>
-            <a:r>
-              <a:rPr lang="en-US" sz="900" baseline="-25000" dirty="0"/>
-              <a:t>NS</a:t>
-            </a:r>
-            <a:r>
-              <a:rPr lang="en-US" sz="900" dirty="0"/>
-              <a:t>) </a:t>
-            </a:r>
-            <a:r>
-              <a:rPr lang="en-US" sz="900" b="1" dirty="0"/>
-              <a:t>b</a:t>
-            </a:r>
-            <a:r>
-              <a:rPr lang="en-US" sz="900" dirty="0"/>
-              <a:t>) The reduction of non-coding genic (i.e. introns or untranslated regions) mutations (</a:t>
-            </a:r>
-            <a:r>
-              <a:rPr lang="el-GR" sz="900" dirty="0" err="1"/>
-              <a:t>Δμ</a:t>
-            </a:r>
-            <a:r>
-              <a:rPr lang="en-US" sz="900" baseline="-25000" dirty="0"/>
-              <a:t>NC</a:t>
-            </a:r>
-            <a:r>
-              <a:rPr lang="en-US" sz="900" dirty="0"/>
-              <a:t>) </a:t>
-            </a:r>
-            <a:r>
-              <a:rPr lang="en-US" sz="900" b="1" dirty="0"/>
-              <a:t>c</a:t>
-            </a:r>
-            <a:r>
-              <a:rPr lang="en-US" sz="900" dirty="0"/>
-              <a:t>) The reduction of synonymous mutations (</a:t>
-            </a:r>
-            <a:r>
-              <a:rPr lang="el-GR" sz="900" dirty="0" err="1"/>
-              <a:t>Δμ</a:t>
-            </a:r>
-            <a:r>
-              <a:rPr lang="en-US" sz="900" baseline="-25000" dirty="0"/>
-              <a:t>S</a:t>
-            </a:r>
-            <a:r>
-              <a:rPr lang="en-US" sz="900" dirty="0"/>
-              <a:t>). </a:t>
-            </a:r>
-          </a:p>
-        </p:txBody>
-      </p:sp>
     </p:spTree>
     <p:extLst>
       <p:ext uri="{BB962C8B-B14F-4D97-AF65-F5344CB8AC3E}">
-        <p14:creationId xmlns:p14="http://schemas.microsoft.com/office/powerpoint/2010/main" val="847072028"/>
+        <p14:creationId xmlns:p14="http://schemas.microsoft.com/office/powerpoint/2010/main" val="2700825257"/>
       </p:ext>
     </p:extLst>
   </p:cSld>
@@ -5940,6 +4758,36 @@
           <a:chExt cx="0" cy="0"/>
         </a:xfrm>
       </p:grpSpPr>
+      <p:pic>
+        <p:nvPicPr>
+          <p:cNvPr id="6" name="Picture 5">
+            <a:extLst>
+              <a:ext uri="{FF2B5EF4-FFF2-40B4-BE49-F238E27FC236}">
+                <a16:creationId xmlns:a16="http://schemas.microsoft.com/office/drawing/2014/main" id="{E2341150-A6CA-8071-1371-ABBE0646ED2C}"/>
+              </a:ext>
+            </a:extLst>
+          </p:cNvPr>
+          <p:cNvPicPr>
+            <a:picLocks noChangeAspect="1"/>
+          </p:cNvPicPr>
+          <p:nvPr/>
+        </p:nvPicPr>
+        <p:blipFill>
+          <a:blip r:embed="rId2"/>
+          <a:stretch>
+            <a:fillRect/>
+          </a:stretch>
+        </p:blipFill>
+        <p:spPr>
+          <a:xfrm>
+            <a:off x="28875" y="2049237"/>
+            <a:ext cx="6400800" cy="2286000"/>
+          </a:xfrm>
+          <a:prstGeom prst="rect">
+            <a:avLst/>
+          </a:prstGeom>
+        </p:spPr>
+      </p:pic>
       <p:sp>
         <p:nvSpPr>
           <p:cNvPr id="51" name="Block Arc 50">
@@ -6015,36 +4863,6 @@
           <p:nvPr/>
         </p:nvPicPr>
         <p:blipFill>
-          <a:blip r:embed="rId2"/>
-          <a:stretch>
-            <a:fillRect/>
-          </a:stretch>
-        </p:blipFill>
-        <p:spPr>
-          <a:xfrm>
-            <a:off x="2268638" y="151572"/>
-            <a:ext cx="1828800" cy="457200"/>
-          </a:xfrm>
-          <a:prstGeom prst="rect">
-            <a:avLst/>
-          </a:prstGeom>
-        </p:spPr>
-      </p:pic>
-      <p:pic>
-        <p:nvPicPr>
-          <p:cNvPr id="75" name="Picture 74">
-            <a:extLst>
-              <a:ext uri="{FF2B5EF4-FFF2-40B4-BE49-F238E27FC236}">
-                <a16:creationId xmlns:a16="http://schemas.microsoft.com/office/drawing/2014/main" id="{29F93553-2723-3192-1A15-D94F93668C6D}"/>
-              </a:ext>
-            </a:extLst>
-          </p:cNvPr>
-          <p:cNvPicPr>
-            <a:picLocks noChangeAspect="1"/>
-          </p:cNvPicPr>
-          <p:nvPr/>
-        </p:nvPicPr>
-        <p:blipFill>
           <a:blip r:embed="rId3"/>
           <a:stretch>
             <a:fillRect/>
@@ -6052,259 +4870,14 @@
         </p:blipFill>
         <p:spPr>
           <a:xfrm>
-            <a:off x="0" y="1902252"/>
-            <a:ext cx="6400800" cy="2286000"/>
+            <a:off x="2268638" y="151572"/>
+            <a:ext cx="1828800" cy="457200"/>
           </a:xfrm>
           <a:prstGeom prst="rect">
             <a:avLst/>
           </a:prstGeom>
         </p:spPr>
       </p:pic>
-      <p:sp>
-        <p:nvSpPr>
-          <p:cNvPr id="16" name="TextBox 15">
-            <a:extLst>
-              <a:ext uri="{FF2B5EF4-FFF2-40B4-BE49-F238E27FC236}">
-                <a16:creationId xmlns:a16="http://schemas.microsoft.com/office/drawing/2014/main" id="{509405D5-3C11-8097-C612-3C98E4B86F76}"/>
-              </a:ext>
-            </a:extLst>
-          </p:cNvPr>
-          <p:cNvSpPr txBox="1"/>
-          <p:nvPr/>
-        </p:nvSpPr>
-        <p:spPr>
-          <a:xfrm>
-            <a:off x="768205" y="2858093"/>
-            <a:ext cx="161297" cy="276999"/>
-          </a:xfrm>
-          <a:prstGeom prst="rect">
-            <a:avLst/>
-          </a:prstGeom>
-          <a:noFill/>
-        </p:spPr>
-        <p:txBody>
-          <a:bodyPr wrap="none" rtlCol="0">
-            <a:spAutoFit/>
-          </a:bodyPr>
-          <a:lstStyle/>
-          <a:p>
-            <a:r>
-              <a:rPr lang="en-US" sz="1200" dirty="0"/>
-              <a:t>*</a:t>
-            </a:r>
-          </a:p>
-        </p:txBody>
-      </p:sp>
-      <p:sp>
-        <p:nvSpPr>
-          <p:cNvPr id="17" name="TextBox 16">
-            <a:extLst>
-              <a:ext uri="{FF2B5EF4-FFF2-40B4-BE49-F238E27FC236}">
-                <a16:creationId xmlns:a16="http://schemas.microsoft.com/office/drawing/2014/main" id="{B8AD8595-15C7-791B-FFC1-A44F6AC71C22}"/>
-              </a:ext>
-            </a:extLst>
-          </p:cNvPr>
-          <p:cNvSpPr txBox="1"/>
-          <p:nvPr/>
-        </p:nvSpPr>
-        <p:spPr>
-          <a:xfrm>
-            <a:off x="584906" y="2703998"/>
-            <a:ext cx="161297" cy="276999"/>
-          </a:xfrm>
-          <a:prstGeom prst="rect">
-            <a:avLst/>
-          </a:prstGeom>
-          <a:noFill/>
-        </p:spPr>
-        <p:txBody>
-          <a:bodyPr wrap="none" rtlCol="0">
-            <a:spAutoFit/>
-          </a:bodyPr>
-          <a:lstStyle/>
-          <a:p>
-            <a:r>
-              <a:rPr lang="en-US" sz="1200" dirty="0"/>
-              <a:t>*</a:t>
-            </a:r>
-          </a:p>
-        </p:txBody>
-      </p:sp>
-      <p:sp>
-        <p:nvSpPr>
-          <p:cNvPr id="18" name="TextBox 17">
-            <a:extLst>
-              <a:ext uri="{FF2B5EF4-FFF2-40B4-BE49-F238E27FC236}">
-                <a16:creationId xmlns:a16="http://schemas.microsoft.com/office/drawing/2014/main" id="{0FAFEF30-F8B1-6ED5-23D4-D7177B46F4E4}"/>
-              </a:ext>
-            </a:extLst>
-          </p:cNvPr>
-          <p:cNvSpPr txBox="1"/>
-          <p:nvPr/>
-        </p:nvSpPr>
-        <p:spPr>
-          <a:xfrm>
-            <a:off x="1146674" y="2751301"/>
-            <a:ext cx="161297" cy="276999"/>
-          </a:xfrm>
-          <a:prstGeom prst="rect">
-            <a:avLst/>
-          </a:prstGeom>
-          <a:noFill/>
-        </p:spPr>
-        <p:txBody>
-          <a:bodyPr wrap="none" rtlCol="0">
-            <a:spAutoFit/>
-          </a:bodyPr>
-          <a:lstStyle/>
-          <a:p>
-            <a:r>
-              <a:rPr lang="en-US" sz="1200" dirty="0"/>
-              <a:t>*</a:t>
-            </a:r>
-          </a:p>
-        </p:txBody>
-      </p:sp>
-      <p:sp>
-        <p:nvSpPr>
-          <p:cNvPr id="19" name="TextBox 18">
-            <a:extLst>
-              <a:ext uri="{FF2B5EF4-FFF2-40B4-BE49-F238E27FC236}">
-                <a16:creationId xmlns:a16="http://schemas.microsoft.com/office/drawing/2014/main" id="{13C9DCD0-AF43-6FB8-C2BF-B6A147C84B27}"/>
-              </a:ext>
-            </a:extLst>
-          </p:cNvPr>
-          <p:cNvSpPr txBox="1"/>
-          <p:nvPr/>
-        </p:nvSpPr>
-        <p:spPr>
-          <a:xfrm>
-            <a:off x="958032" y="2725951"/>
-            <a:ext cx="161297" cy="276999"/>
-          </a:xfrm>
-          <a:prstGeom prst="rect">
-            <a:avLst/>
-          </a:prstGeom>
-          <a:noFill/>
-        </p:spPr>
-        <p:txBody>
-          <a:bodyPr wrap="none" rtlCol="0">
-            <a:spAutoFit/>
-          </a:bodyPr>
-          <a:lstStyle/>
-          <a:p>
-            <a:r>
-              <a:rPr lang="en-US" sz="1200" dirty="0"/>
-              <a:t>*</a:t>
-            </a:r>
-          </a:p>
-        </p:txBody>
-      </p:sp>
-      <p:sp>
-        <p:nvSpPr>
-          <p:cNvPr id="20" name="TextBox 19">
-            <a:extLst>
-              <a:ext uri="{FF2B5EF4-FFF2-40B4-BE49-F238E27FC236}">
-                <a16:creationId xmlns:a16="http://schemas.microsoft.com/office/drawing/2014/main" id="{3B6ED9EE-9158-295B-849A-C21E4FA6FCE1}"/>
-              </a:ext>
-            </a:extLst>
-          </p:cNvPr>
-          <p:cNvSpPr txBox="1"/>
-          <p:nvPr/>
-        </p:nvSpPr>
-        <p:spPr>
-          <a:xfrm>
-            <a:off x="1958012" y="2601547"/>
-            <a:ext cx="161297" cy="276999"/>
-          </a:xfrm>
-          <a:prstGeom prst="rect">
-            <a:avLst/>
-          </a:prstGeom>
-          <a:noFill/>
-        </p:spPr>
-        <p:txBody>
-          <a:bodyPr wrap="none" rtlCol="0">
-            <a:spAutoFit/>
-          </a:bodyPr>
-          <a:lstStyle/>
-          <a:p>
-            <a:r>
-              <a:rPr lang="en-US" sz="1200" dirty="0"/>
-              <a:t>*</a:t>
-            </a:r>
-          </a:p>
-        </p:txBody>
-      </p:sp>
-      <p:sp>
-        <p:nvSpPr>
-          <p:cNvPr id="21" name="TextBox 20">
-            <a:extLst>
-              <a:ext uri="{FF2B5EF4-FFF2-40B4-BE49-F238E27FC236}">
-                <a16:creationId xmlns:a16="http://schemas.microsoft.com/office/drawing/2014/main" id="{3E721C23-07FD-F946-7857-CAF77D06AF43}"/>
-              </a:ext>
-            </a:extLst>
-          </p:cNvPr>
-          <p:cNvSpPr txBox="1"/>
-          <p:nvPr/>
-        </p:nvSpPr>
-        <p:spPr>
-          <a:xfrm>
-            <a:off x="2247394" y="2445897"/>
-            <a:ext cx="161297" cy="276999"/>
-          </a:xfrm>
-          <a:prstGeom prst="rect">
-            <a:avLst/>
-          </a:prstGeom>
-          <a:noFill/>
-        </p:spPr>
-        <p:txBody>
-          <a:bodyPr wrap="none" rtlCol="0">
-            <a:spAutoFit/>
-          </a:bodyPr>
-          <a:lstStyle/>
-          <a:p>
-            <a:r>
-              <a:rPr lang="en-US" sz="1200" dirty="0"/>
-              <a:t>*</a:t>
-            </a:r>
-          </a:p>
-        </p:txBody>
-      </p:sp>
-      <p:sp>
-        <p:nvSpPr>
-          <p:cNvPr id="22" name="TextBox 21">
-            <a:extLst>
-              <a:ext uri="{FF2B5EF4-FFF2-40B4-BE49-F238E27FC236}">
-                <a16:creationId xmlns:a16="http://schemas.microsoft.com/office/drawing/2014/main" id="{3B064BCA-EFB9-64DF-DAB9-4D2FD221B444}"/>
-              </a:ext>
-            </a:extLst>
-          </p:cNvPr>
-          <p:cNvSpPr txBox="1"/>
-          <p:nvPr/>
-        </p:nvSpPr>
-        <p:spPr>
-          <a:xfrm>
-            <a:off x="2535854" y="2459406"/>
-            <a:ext cx="161297" cy="276999"/>
-          </a:xfrm>
-          <a:prstGeom prst="rect">
-            <a:avLst/>
-          </a:prstGeom>
-          <a:noFill/>
-        </p:spPr>
-        <p:txBody>
-          <a:bodyPr wrap="none" rtlCol="0">
-            <a:spAutoFit/>
-          </a:bodyPr>
-          <a:lstStyle/>
-          <a:p>
-            <a:r>
-              <a:rPr lang="en-US" sz="1200" dirty="0"/>
-              <a:t>*</a:t>
-            </a:r>
-          </a:p>
-        </p:txBody>
-      </p:sp>
       <p:pic>
         <p:nvPicPr>
           <p:cNvPr id="44" name="Picture 43">
@@ -6780,8 +5353,8 @@
         </p:nvSpPr>
         <p:spPr>
           <a:xfrm>
-            <a:off x="5113597" y="1555052"/>
-            <a:ext cx="704039" cy="276999"/>
+            <a:off x="5015441" y="1524056"/>
+            <a:ext cx="869149" cy="276999"/>
           </a:xfrm>
           <a:prstGeom prst="rect">
             <a:avLst/>
@@ -6806,7 +5379,19 @@
               <a:rPr lang="en-US" sz="600" dirty="0">
                 <a:latin typeface="Helvetica" pitchFamily="2" charset="0"/>
               </a:rPr>
-              <a:t>p &lt;&lt; 2x10</a:t>
+              <a:t>X</a:t>
+            </a:r>
+            <a:r>
+              <a:rPr lang="en-US" sz="600" baseline="30000" dirty="0">
+                <a:latin typeface="Helvetica" pitchFamily="2" charset="0"/>
+              </a:rPr>
+              <a:t>2</a:t>
+            </a:r>
+            <a:r>
+              <a:rPr lang="en-US" sz="600" dirty="0">
+                <a:latin typeface="Helvetica" pitchFamily="2" charset="0"/>
+              </a:rPr>
+              <a:t> test, p &lt;&lt; 2x10</a:t>
             </a:r>
             <a:r>
               <a:rPr lang="en-US" sz="600" baseline="30000" dirty="0">
@@ -7026,7 +5611,7 @@
         </p:nvSpPr>
         <p:spPr>
           <a:xfrm>
-            <a:off x="3204359" y="1933951"/>
+            <a:off x="2197090" y="2083970"/>
             <a:ext cx="248194" cy="230832"/>
           </a:xfrm>
           <a:prstGeom prst="rect">
@@ -7097,8 +5682,8 @@
         </p:nvSpPr>
         <p:spPr>
           <a:xfrm>
-            <a:off x="0" y="4283350"/>
-            <a:ext cx="6400800" cy="1754326"/>
+            <a:off x="0" y="4361847"/>
+            <a:ext cx="6400800" cy="2354491"/>
           </a:xfrm>
           <a:prstGeom prst="rect">
             <a:avLst/>
@@ -7113,131 +5698,54 @@
           </a:bodyPr>
           <a:lstStyle/>
           <a:p>
-            <a:r>
-              <a:rPr lang="en-US" sz="900" b="1" dirty="0"/>
-              <a:t>Figure 3. Applying to Arabidopsis mutation datasets.</a:t>
-            </a:r>
-            <a:r>
-              <a:rPr lang="en-US" sz="900" dirty="0"/>
+            <a:pPr algn="just"/>
+            <a:r>
+              <a:rPr lang="en-US" sz="1050" b="1" dirty="0"/>
+              <a:t>Figure 4. Selection and mutation bias in Arabidopsis mutation datasets.</a:t>
+            </a:r>
+            <a:r>
+              <a:rPr lang="en-US" sz="1050" dirty="0"/>
               <a:t> </a:t>
             </a:r>
             <a:r>
-              <a:rPr lang="en-US" sz="900" b="1" dirty="0"/>
+              <a:rPr lang="en-US" sz="1050" b="1" dirty="0"/>
               <a:t>a</a:t>
             </a:r>
             <a:r>
-              <a:rPr lang="en-US" sz="900" dirty="0"/>
+              <a:rPr lang="en-US" sz="1050" dirty="0"/>
               <a:t>) Projection of mutation spectra (REF &gt; ALT) from non-coding regions onto Arabidopsis coding regions for estimating neutral Ns/S ratios. </a:t>
             </a:r>
             <a:r>
-              <a:rPr lang="en-US" sz="900" b="1" dirty="0"/>
+              <a:rPr lang="en-US" sz="1050" b="1" dirty="0"/>
               <a:t>b</a:t>
             </a:r>
             <a:r>
-              <a:rPr lang="en-US" sz="900" dirty="0"/>
+              <a:rPr lang="en-US" sz="1050" dirty="0"/>
               <a:t>) Random sampling of coding sequence mutations based on mutation probabilities (1000 iterations), with mutation number samples equal to the number of coding mutations found in all genes (n=1385 mutations), ‘essential’ genes (n=48), ‘lethal’ genes (n=154), H3K4me1-enriched genes (n=1062), and ‘housekeeping’ genes (n=510). </a:t>
             </a:r>
             <a:r>
-              <a:rPr lang="en-US" sz="900" b="1" dirty="0"/>
+              <a:rPr lang="en-US" sz="1050" b="1" dirty="0"/>
               <a:t>c</a:t>
             </a:r>
             <a:r>
-              <a:rPr lang="en-US" sz="900" dirty="0"/>
+              <a:rPr lang="en-US" sz="1050" dirty="0"/>
               <a:t>) Genome of Arabidopsis (TAIR10) (upper pie chart) and the proportion of single base substitution (SBS) mutations in each region (lower pie chart). Mutation datasets are from Weng et al. 2019, Belfield et al. 2021, etc. Total mutations, n=7836. </a:t>
             </a:r>
             <a:r>
-              <a:rPr lang="en-US" sz="900" b="1" dirty="0"/>
+              <a:rPr lang="en-US" sz="1050" b="1" dirty="0"/>
               <a:t>d</a:t>
             </a:r>
             <a:r>
-              <a:rPr lang="en-US" sz="900" dirty="0"/>
-              <a:t>) Same gene groups as in (b), comparing mutation rates in gene body (CDS + </a:t>
-            </a:r>
-            <a:r>
-              <a:rPr lang="en-US" sz="900" dirty="0" err="1"/>
-              <a:t>NonCoding</a:t>
-            </a:r>
-            <a:r>
-              <a:rPr lang="en-US" sz="900" dirty="0"/>
-              <a:t>) with intergenic regions. The left panel shows the comparison of mutation rates in specific gene groups with other genes (i.e. ’Essential’ genes vs non-essential genes). Asterisks indicate p-value &lt; 0.001 for chi-squared test. </a:t>
-            </a:r>
-            <a:r>
-              <a:rPr lang="en-US" sz="900" b="1" dirty="0"/>
+              <a:rPr lang="en-US" sz="1050" dirty="0"/>
+              <a:t>) Same gene groups as in (b), comparing mutation rates in gene body (CDS + Non-Coding) with intergenic regions. The left panel shows the comparison of mutation rates in specific gene groups with other genes (i.e. ’Essential’ genes vs non-essential genes). Asterisks indicate p-value &lt; 0.001 for chi-squared test. </a:t>
+            </a:r>
+            <a:r>
+              <a:rPr lang="en-US" sz="1050" b="1" dirty="0"/>
               <a:t>e</a:t>
             </a:r>
             <a:r>
-              <a:rPr lang="en-US" sz="900" dirty="0"/>
+              <a:rPr lang="en-US" sz="1050" dirty="0"/>
               <a:t>) Measures of mutation rate reduction of individual components. For genic vs intergenic comparisons, the mean of sampled neutral Ns/S for all genes from (c) was used (left). The right panel shows genic comparisons of individual gene groups, with neutral Ns/S in these cases indicating the Ns/S observed in other genes for each comparison.</a:t>
-            </a:r>
-          </a:p>
-        </p:txBody>
-      </p:sp>
-      <p:sp>
-        <p:nvSpPr>
-          <p:cNvPr id="72" name="TextBox 71">
-            <a:extLst>
-              <a:ext uri="{FF2B5EF4-FFF2-40B4-BE49-F238E27FC236}">
-                <a16:creationId xmlns:a16="http://schemas.microsoft.com/office/drawing/2014/main" id="{9978B439-B901-DEA1-FAEF-2AB5D33134DE}"/>
-              </a:ext>
-            </a:extLst>
-          </p:cNvPr>
-          <p:cNvSpPr txBox="1"/>
-          <p:nvPr/>
-        </p:nvSpPr>
-        <p:spPr>
-          <a:xfrm>
-            <a:off x="2836249" y="2556501"/>
-            <a:ext cx="161297" cy="276999"/>
-          </a:xfrm>
-          <a:prstGeom prst="rect">
-            <a:avLst/>
-          </a:prstGeom>
-          <a:noFill/>
-        </p:spPr>
-        <p:txBody>
-          <a:bodyPr wrap="none" rtlCol="0">
-            <a:spAutoFit/>
-          </a:bodyPr>
-          <a:lstStyle/>
-          <a:p>
-            <a:r>
-              <a:rPr lang="en-US" sz="1200" dirty="0"/>
-              <a:t>*</a:t>
-            </a:r>
-          </a:p>
-        </p:txBody>
-      </p:sp>
-      <p:sp>
-        <p:nvSpPr>
-          <p:cNvPr id="73" name="TextBox 72">
-            <a:extLst>
-              <a:ext uri="{FF2B5EF4-FFF2-40B4-BE49-F238E27FC236}">
-                <a16:creationId xmlns:a16="http://schemas.microsoft.com/office/drawing/2014/main" id="{F66F0CBD-F784-7A80-579E-A32824B79230}"/>
-              </a:ext>
-            </a:extLst>
-          </p:cNvPr>
-          <p:cNvSpPr txBox="1"/>
-          <p:nvPr/>
-        </p:nvSpPr>
-        <p:spPr>
-          <a:xfrm>
-            <a:off x="1325501" y="2802050"/>
-            <a:ext cx="161297" cy="276999"/>
-          </a:xfrm>
-          <a:prstGeom prst="rect">
-            <a:avLst/>
-          </a:prstGeom>
-          <a:noFill/>
-        </p:spPr>
-        <p:txBody>
-          <a:bodyPr wrap="none" rtlCol="0">
-            <a:spAutoFit/>
-          </a:bodyPr>
-          <a:lstStyle/>
-          <a:p>
-            <a:r>
-              <a:rPr lang="en-US" sz="1200" dirty="0"/>
-              <a:t>*</a:t>
             </a:r>
           </a:p>
         </p:txBody>
@@ -7554,7 +6062,7 @@
         </p:blipFill>
         <p:spPr>
           <a:xfrm>
-            <a:off x="0" y="249766"/>
+            <a:off x="30228" y="253544"/>
             <a:ext cx="2286000" cy="1600200"/>
           </a:xfrm>
           <a:prstGeom prst="rect">
@@ -7562,107 +6070,691 @@
           </a:prstGeom>
         </p:spPr>
       </p:pic>
-      <p:sp>
-        <p:nvSpPr>
-          <p:cNvPr id="4" name="Rectangle 3">
-            <a:extLst>
-              <a:ext uri="{FF2B5EF4-FFF2-40B4-BE49-F238E27FC236}">
-                <a16:creationId xmlns:a16="http://schemas.microsoft.com/office/drawing/2014/main" id="{2AEBF275-114C-0531-B269-CCD33A37D6BC}"/>
-              </a:ext>
-            </a:extLst>
-          </p:cNvPr>
-          <p:cNvSpPr/>
-          <p:nvPr/>
-        </p:nvSpPr>
-        <p:spPr>
-          <a:xfrm>
-            <a:off x="3328216" y="2418413"/>
-            <a:ext cx="49967" cy="954374"/>
+      <p:grpSp>
+        <p:nvGrpSpPr>
+          <p:cNvPr id="11" name="Group 10">
+            <a:extLst>
+              <a:ext uri="{FF2B5EF4-FFF2-40B4-BE49-F238E27FC236}">
+                <a16:creationId xmlns:a16="http://schemas.microsoft.com/office/drawing/2014/main" id="{B17EBEA0-30D7-0E97-324D-F4689D798E0E}"/>
+              </a:ext>
+            </a:extLst>
+          </p:cNvPr>
+          <p:cNvGrpSpPr/>
+          <p:nvPr/>
+        </p:nvGrpSpPr>
+        <p:grpSpPr>
+          <a:xfrm>
+            <a:off x="1434601" y="2787736"/>
+            <a:ext cx="177346" cy="184666"/>
+            <a:chOff x="1877715" y="2603563"/>
+            <a:chExt cx="219933" cy="184666"/>
+          </a:xfrm>
+        </p:grpSpPr>
+        <p:sp>
+          <p:nvSpPr>
+            <p:cNvPr id="73" name="TextBox 72">
+              <a:extLst>
+                <a:ext uri="{FF2B5EF4-FFF2-40B4-BE49-F238E27FC236}">
+                  <a16:creationId xmlns:a16="http://schemas.microsoft.com/office/drawing/2014/main" id="{F66F0CBD-F784-7A80-579E-A32824B79230}"/>
+                </a:ext>
+              </a:extLst>
+            </p:cNvPr>
+            <p:cNvSpPr txBox="1"/>
+            <p:nvPr/>
+          </p:nvSpPr>
+          <p:spPr>
+            <a:xfrm>
+              <a:off x="1877715" y="2603563"/>
+              <a:ext cx="219933" cy="184666"/>
+            </a:xfrm>
+            <a:prstGeom prst="rect">
+              <a:avLst/>
+            </a:prstGeom>
+            <a:noFill/>
+          </p:spPr>
+          <p:txBody>
+            <a:bodyPr wrap="none" rtlCol="0">
+              <a:spAutoFit/>
+            </a:bodyPr>
+            <a:lstStyle/>
+            <a:p>
+              <a:r>
+                <a:rPr lang="en-US" sz="600" dirty="0"/>
+                <a:t>*</a:t>
+              </a:r>
+            </a:p>
+          </p:txBody>
+        </p:sp>
+        <p:sp>
+          <p:nvSpPr>
+            <p:cNvPr id="7" name="Right Bracket 6">
+              <a:extLst>
+                <a:ext uri="{FF2B5EF4-FFF2-40B4-BE49-F238E27FC236}">
+                  <a16:creationId xmlns:a16="http://schemas.microsoft.com/office/drawing/2014/main" id="{8D641F6F-34CF-F198-58A4-6E2170826914}"/>
+                </a:ext>
+              </a:extLst>
+            </p:cNvPr>
+            <p:cNvSpPr/>
+            <p:nvPr/>
+          </p:nvSpPr>
+          <p:spPr>
+            <a:xfrm rot="16200000">
+              <a:off x="2010855" y="2668839"/>
+              <a:ext cx="18288" cy="119255"/>
+            </a:xfrm>
+            <a:prstGeom prst="rightBracket">
+              <a:avLst/>
+            </a:prstGeom>
+            <a:ln w="6350"/>
+          </p:spPr>
+          <p:style>
+            <a:lnRef idx="2">
+              <a:schemeClr val="dk1"/>
+            </a:lnRef>
+            <a:fillRef idx="0">
+              <a:schemeClr val="dk1"/>
+            </a:fillRef>
+            <a:effectRef idx="1">
+              <a:schemeClr val="dk1"/>
+            </a:effectRef>
+            <a:fontRef idx="minor">
+              <a:schemeClr val="tx1"/>
+            </a:fontRef>
+          </p:style>
+          <p:txBody>
+            <a:bodyPr rtlCol="0" anchor="ctr"/>
+            <a:lstStyle/>
+            <a:p>
+              <a:pPr algn="ctr"/>
+              <a:endParaRPr lang="en-US"/>
+            </a:p>
+          </p:txBody>
+        </p:sp>
+      </p:grpSp>
+      <p:grpSp>
+        <p:nvGrpSpPr>
+          <p:cNvPr id="14" name="Group 13">
+            <a:extLst>
+              <a:ext uri="{FF2B5EF4-FFF2-40B4-BE49-F238E27FC236}">
+                <a16:creationId xmlns:a16="http://schemas.microsoft.com/office/drawing/2014/main" id="{E78EA887-D035-DA15-F570-1EB0FFCD7E07}"/>
+              </a:ext>
+            </a:extLst>
+          </p:cNvPr>
+          <p:cNvGrpSpPr/>
+          <p:nvPr/>
+        </p:nvGrpSpPr>
+        <p:grpSpPr>
+          <a:xfrm>
+            <a:off x="1619312" y="2594409"/>
+            <a:ext cx="177346" cy="184666"/>
+            <a:chOff x="1877715" y="2603563"/>
+            <a:chExt cx="219933" cy="184666"/>
+          </a:xfrm>
+        </p:grpSpPr>
+        <p:sp>
+          <p:nvSpPr>
+            <p:cNvPr id="15" name="TextBox 14">
+              <a:extLst>
+                <a:ext uri="{FF2B5EF4-FFF2-40B4-BE49-F238E27FC236}">
+                  <a16:creationId xmlns:a16="http://schemas.microsoft.com/office/drawing/2014/main" id="{92F0B952-B1DC-C97F-274A-2DACA9705C15}"/>
+                </a:ext>
+              </a:extLst>
+            </p:cNvPr>
+            <p:cNvSpPr txBox="1"/>
+            <p:nvPr/>
+          </p:nvSpPr>
+          <p:spPr>
+            <a:xfrm>
+              <a:off x="1877715" y="2603563"/>
+              <a:ext cx="219933" cy="184666"/>
+            </a:xfrm>
+            <a:prstGeom prst="rect">
+              <a:avLst/>
+            </a:prstGeom>
+            <a:noFill/>
+          </p:spPr>
+          <p:txBody>
+            <a:bodyPr wrap="none" rtlCol="0">
+              <a:spAutoFit/>
+            </a:bodyPr>
+            <a:lstStyle/>
+            <a:p>
+              <a:r>
+                <a:rPr lang="en-US" sz="600" dirty="0"/>
+                <a:t>*</a:t>
+              </a:r>
+            </a:p>
+          </p:txBody>
+        </p:sp>
+        <p:sp>
+          <p:nvSpPr>
+            <p:cNvPr id="24" name="Right Bracket 23">
+              <a:extLst>
+                <a:ext uri="{FF2B5EF4-FFF2-40B4-BE49-F238E27FC236}">
+                  <a16:creationId xmlns:a16="http://schemas.microsoft.com/office/drawing/2014/main" id="{CEA20ECE-FDC0-6C6A-2503-CD7B6E249C68}"/>
+                </a:ext>
+              </a:extLst>
+            </p:cNvPr>
+            <p:cNvSpPr/>
+            <p:nvPr/>
+          </p:nvSpPr>
+          <p:spPr>
+            <a:xfrm rot="16200000">
+              <a:off x="2010855" y="2668839"/>
+              <a:ext cx="18288" cy="119255"/>
+            </a:xfrm>
+            <a:prstGeom prst="rightBracket">
+              <a:avLst/>
+            </a:prstGeom>
+            <a:ln w="6350"/>
+          </p:spPr>
+          <p:style>
+            <a:lnRef idx="2">
+              <a:schemeClr val="dk1"/>
+            </a:lnRef>
+            <a:fillRef idx="0">
+              <a:schemeClr val="dk1"/>
+            </a:fillRef>
+            <a:effectRef idx="1">
+              <a:schemeClr val="dk1"/>
+            </a:effectRef>
+            <a:fontRef idx="minor">
+              <a:schemeClr val="tx1"/>
+            </a:fontRef>
+          </p:style>
+          <p:txBody>
+            <a:bodyPr rtlCol="0" anchor="ctr"/>
+            <a:lstStyle/>
+            <a:p>
+              <a:pPr algn="ctr"/>
+              <a:endParaRPr lang="en-US"/>
+            </a:p>
+          </p:txBody>
+        </p:sp>
+      </p:grpSp>
+      <p:grpSp>
+        <p:nvGrpSpPr>
+          <p:cNvPr id="26" name="Group 25">
+            <a:extLst>
+              <a:ext uri="{FF2B5EF4-FFF2-40B4-BE49-F238E27FC236}">
+                <a16:creationId xmlns:a16="http://schemas.microsoft.com/office/drawing/2014/main" id="{549D9001-7C31-8BE9-3710-BF3D3464122E}"/>
+              </a:ext>
+            </a:extLst>
+          </p:cNvPr>
+          <p:cNvGrpSpPr/>
+          <p:nvPr/>
+        </p:nvGrpSpPr>
+        <p:grpSpPr>
+          <a:xfrm>
+            <a:off x="1820179" y="2756503"/>
+            <a:ext cx="177346" cy="184666"/>
+            <a:chOff x="1877715" y="2603563"/>
+            <a:chExt cx="219933" cy="184666"/>
+          </a:xfrm>
+        </p:grpSpPr>
+        <p:sp>
+          <p:nvSpPr>
+            <p:cNvPr id="32" name="TextBox 31">
+              <a:extLst>
+                <a:ext uri="{FF2B5EF4-FFF2-40B4-BE49-F238E27FC236}">
+                  <a16:creationId xmlns:a16="http://schemas.microsoft.com/office/drawing/2014/main" id="{B4F8DC8F-D2DA-4176-88EE-13BDDF8F9EE0}"/>
+                </a:ext>
+              </a:extLst>
+            </p:cNvPr>
+            <p:cNvSpPr txBox="1"/>
+            <p:nvPr/>
+          </p:nvSpPr>
+          <p:spPr>
+            <a:xfrm>
+              <a:off x="1877715" y="2603563"/>
+              <a:ext cx="219933" cy="184666"/>
+            </a:xfrm>
+            <a:prstGeom prst="rect">
+              <a:avLst/>
+            </a:prstGeom>
+            <a:noFill/>
+          </p:spPr>
+          <p:txBody>
+            <a:bodyPr wrap="none" rtlCol="0">
+              <a:spAutoFit/>
+            </a:bodyPr>
+            <a:lstStyle/>
+            <a:p>
+              <a:r>
+                <a:rPr lang="en-US" sz="600" dirty="0"/>
+                <a:t>*</a:t>
+              </a:r>
+            </a:p>
+          </p:txBody>
+        </p:sp>
+        <p:sp>
+          <p:nvSpPr>
+            <p:cNvPr id="33" name="Right Bracket 32">
+              <a:extLst>
+                <a:ext uri="{FF2B5EF4-FFF2-40B4-BE49-F238E27FC236}">
+                  <a16:creationId xmlns:a16="http://schemas.microsoft.com/office/drawing/2014/main" id="{F6DE0386-401C-9EB3-8ACD-A38861F093D1}"/>
+                </a:ext>
+              </a:extLst>
+            </p:cNvPr>
+            <p:cNvSpPr/>
+            <p:nvPr/>
+          </p:nvSpPr>
+          <p:spPr>
+            <a:xfrm rot="16200000">
+              <a:off x="2010855" y="2668839"/>
+              <a:ext cx="18288" cy="119255"/>
+            </a:xfrm>
+            <a:prstGeom prst="rightBracket">
+              <a:avLst/>
+            </a:prstGeom>
+            <a:ln w="6350"/>
+          </p:spPr>
+          <p:style>
+            <a:lnRef idx="2">
+              <a:schemeClr val="dk1"/>
+            </a:lnRef>
+            <a:fillRef idx="0">
+              <a:schemeClr val="dk1"/>
+            </a:fillRef>
+            <a:effectRef idx="1">
+              <a:schemeClr val="dk1"/>
+            </a:effectRef>
+            <a:fontRef idx="minor">
+              <a:schemeClr val="tx1"/>
+            </a:fontRef>
+          </p:style>
+          <p:txBody>
+            <a:bodyPr rtlCol="0" anchor="ctr"/>
+            <a:lstStyle/>
+            <a:p>
+              <a:pPr algn="ctr"/>
+              <a:endParaRPr lang="en-US"/>
+            </a:p>
+          </p:txBody>
+        </p:sp>
+      </p:grpSp>
+      <p:grpSp>
+        <p:nvGrpSpPr>
+          <p:cNvPr id="35" name="Group 34">
+            <a:extLst>
+              <a:ext uri="{FF2B5EF4-FFF2-40B4-BE49-F238E27FC236}">
+                <a16:creationId xmlns:a16="http://schemas.microsoft.com/office/drawing/2014/main" id="{199DAB03-3E07-69F9-DE7E-5889EF986060}"/>
+              </a:ext>
+            </a:extLst>
+          </p:cNvPr>
+          <p:cNvGrpSpPr/>
+          <p:nvPr/>
+        </p:nvGrpSpPr>
+        <p:grpSpPr>
+          <a:xfrm>
+            <a:off x="2010813" y="2795275"/>
+            <a:ext cx="177346" cy="184666"/>
+            <a:chOff x="1877715" y="2603563"/>
+            <a:chExt cx="219933" cy="184666"/>
+          </a:xfrm>
+        </p:grpSpPr>
+        <p:sp>
+          <p:nvSpPr>
+            <p:cNvPr id="36" name="TextBox 35">
+              <a:extLst>
+                <a:ext uri="{FF2B5EF4-FFF2-40B4-BE49-F238E27FC236}">
+                  <a16:creationId xmlns:a16="http://schemas.microsoft.com/office/drawing/2014/main" id="{DCA21DD9-5328-1625-73C8-0428E6E79ACF}"/>
+                </a:ext>
+              </a:extLst>
+            </p:cNvPr>
+            <p:cNvSpPr txBox="1"/>
+            <p:nvPr/>
+          </p:nvSpPr>
+          <p:spPr>
+            <a:xfrm>
+              <a:off x="1877715" y="2603563"/>
+              <a:ext cx="219933" cy="184666"/>
+            </a:xfrm>
+            <a:prstGeom prst="rect">
+              <a:avLst/>
+            </a:prstGeom>
+            <a:noFill/>
+          </p:spPr>
+          <p:txBody>
+            <a:bodyPr wrap="none" rtlCol="0">
+              <a:spAutoFit/>
+            </a:bodyPr>
+            <a:lstStyle/>
+            <a:p>
+              <a:r>
+                <a:rPr lang="en-US" sz="600" dirty="0"/>
+                <a:t>*</a:t>
+              </a:r>
+            </a:p>
+          </p:txBody>
+        </p:sp>
+        <p:sp>
+          <p:nvSpPr>
+            <p:cNvPr id="37" name="Right Bracket 36">
+              <a:extLst>
+                <a:ext uri="{FF2B5EF4-FFF2-40B4-BE49-F238E27FC236}">
+                  <a16:creationId xmlns:a16="http://schemas.microsoft.com/office/drawing/2014/main" id="{B483733B-960F-2678-4917-452EEF52DDF0}"/>
+                </a:ext>
+              </a:extLst>
+            </p:cNvPr>
+            <p:cNvSpPr/>
+            <p:nvPr/>
+          </p:nvSpPr>
+          <p:spPr>
+            <a:xfrm rot="16200000">
+              <a:off x="2010855" y="2668839"/>
+              <a:ext cx="18288" cy="119255"/>
+            </a:xfrm>
+            <a:prstGeom prst="rightBracket">
+              <a:avLst/>
+            </a:prstGeom>
+            <a:ln w="6350"/>
+          </p:spPr>
+          <p:style>
+            <a:lnRef idx="2">
+              <a:schemeClr val="dk1"/>
+            </a:lnRef>
+            <a:fillRef idx="0">
+              <a:schemeClr val="dk1"/>
+            </a:fillRef>
+            <a:effectRef idx="1">
+              <a:schemeClr val="dk1"/>
+            </a:effectRef>
+            <a:fontRef idx="minor">
+              <a:schemeClr val="tx1"/>
+            </a:fontRef>
+          </p:style>
+          <p:txBody>
+            <a:bodyPr rtlCol="0" anchor="ctr"/>
+            <a:lstStyle/>
+            <a:p>
+              <a:pPr algn="ctr"/>
+              <a:endParaRPr lang="en-US"/>
+            </a:p>
+          </p:txBody>
+        </p:sp>
+      </p:grpSp>
+      <p:sp>
+        <p:nvSpPr>
+          <p:cNvPr id="69" name="TextBox 68">
+            <a:extLst>
+              <a:ext uri="{FF2B5EF4-FFF2-40B4-BE49-F238E27FC236}">
+                <a16:creationId xmlns:a16="http://schemas.microsoft.com/office/drawing/2014/main" id="{581EE91A-F07F-2B63-62FD-C3E28B7D56EE}"/>
+              </a:ext>
+            </a:extLst>
+          </p:cNvPr>
+          <p:cNvSpPr txBox="1"/>
+          <p:nvPr/>
+        </p:nvSpPr>
+        <p:spPr>
+          <a:xfrm>
+            <a:off x="481370" y="2463849"/>
+            <a:ext cx="177346" cy="184666"/>
           </a:xfrm>
           <a:prstGeom prst="rect">
             <a:avLst/>
           </a:prstGeom>
-          <a:solidFill>
-            <a:schemeClr val="bg1"/>
-          </a:solidFill>
-          <a:ln>
-            <a:noFill/>
-          </a:ln>
-        </p:spPr>
-        <p:style>
-          <a:lnRef idx="2">
-            <a:schemeClr val="accent1">
-              <a:shade val="15000"/>
-            </a:schemeClr>
-          </a:lnRef>
-          <a:fillRef idx="1">
-            <a:schemeClr val="accent1"/>
-          </a:fillRef>
-          <a:effectRef idx="0">
-            <a:schemeClr val="accent1"/>
-          </a:effectRef>
-          <a:fontRef idx="minor">
-            <a:schemeClr val="lt1"/>
-          </a:fontRef>
-        </p:style>
-        <p:txBody>
-          <a:bodyPr rtlCol="0" anchor="ctr"/>
+          <a:noFill/>
+        </p:spPr>
+        <p:txBody>
+          <a:bodyPr wrap="none" rtlCol="0">
+            <a:spAutoFit/>
+          </a:bodyPr>
+          <a:lstStyle/>
+          <a:p>
+            <a:r>
+              <a:rPr lang="en-US" sz="600" dirty="0"/>
+              <a:t>*</a:t>
+            </a:r>
+          </a:p>
+        </p:txBody>
+      </p:sp>
+      <p:pic>
+        <p:nvPicPr>
+          <p:cNvPr id="71" name="Picture 70" descr="A black line on a white background&#10;&#10;AI-generated content may be incorrect.">
+            <a:extLst>
+              <a:ext uri="{FF2B5EF4-FFF2-40B4-BE49-F238E27FC236}">
+                <a16:creationId xmlns:a16="http://schemas.microsoft.com/office/drawing/2014/main" id="{B4B56FA9-B748-91A0-0195-541B1F894DBE}"/>
+              </a:ext>
+            </a:extLst>
+          </p:cNvPr>
+          <p:cNvPicPr>
+            <a:picLocks noChangeAspect="1"/>
+          </p:cNvPicPr>
+          <p:nvPr/>
+        </p:nvPicPr>
+        <p:blipFill>
+          <a:blip r:embed="rId9">
+            <a:clrChange>
+              <a:clrFrom>
+                <a:srgbClr val="FFFFFF"/>
+              </a:clrFrom>
+              <a:clrTo>
+                <a:srgbClr val="FFFFFF">
+                  <a:alpha val="0"/>
+                </a:srgbClr>
+              </a:clrTo>
+            </a:clrChange>
+          </a:blip>
+          <a:stretch>
+            <a:fillRect/>
+          </a:stretch>
+        </p:blipFill>
+        <p:spPr>
+          <a:xfrm>
+            <a:off x="452578" y="2417160"/>
+            <a:ext cx="561497" cy="94073"/>
+          </a:xfrm>
+          <a:prstGeom prst="rect">
+            <a:avLst/>
+          </a:prstGeom>
+        </p:spPr>
+      </p:pic>
+      <p:sp>
+        <p:nvSpPr>
+          <p:cNvPr id="74" name="TextBox 73">
+            <a:extLst>
+              <a:ext uri="{FF2B5EF4-FFF2-40B4-BE49-F238E27FC236}">
+                <a16:creationId xmlns:a16="http://schemas.microsoft.com/office/drawing/2014/main" id="{3BC0B598-9B0D-4A5F-C14C-D4B7807C36EE}"/>
+              </a:ext>
+            </a:extLst>
+          </p:cNvPr>
+          <p:cNvSpPr txBox="1"/>
+          <p:nvPr/>
+        </p:nvSpPr>
+        <p:spPr>
+          <a:xfrm>
+            <a:off x="573098" y="2463849"/>
+            <a:ext cx="177346" cy="184666"/>
+          </a:xfrm>
+          <a:prstGeom prst="rect">
+            <a:avLst/>
+          </a:prstGeom>
+          <a:noFill/>
+        </p:spPr>
+        <p:txBody>
+          <a:bodyPr wrap="none" rtlCol="0">
+            <a:spAutoFit/>
+          </a:bodyPr>
+          <a:lstStyle/>
+          <a:p>
+            <a:r>
+              <a:rPr lang="en-US" sz="600" dirty="0"/>
+              <a:t>*</a:t>
+            </a:r>
+          </a:p>
+        </p:txBody>
+      </p:sp>
+      <p:sp>
+        <p:nvSpPr>
+          <p:cNvPr id="76" name="TextBox 75">
+            <a:extLst>
+              <a:ext uri="{FF2B5EF4-FFF2-40B4-BE49-F238E27FC236}">
+                <a16:creationId xmlns:a16="http://schemas.microsoft.com/office/drawing/2014/main" id="{0AA8E885-1121-BBC7-0F71-0E00614C0F4E}"/>
+              </a:ext>
+            </a:extLst>
+          </p:cNvPr>
+          <p:cNvSpPr txBox="1"/>
+          <p:nvPr/>
+        </p:nvSpPr>
+        <p:spPr>
+          <a:xfrm>
+            <a:off x="669160" y="2463849"/>
+            <a:ext cx="177346" cy="184666"/>
+          </a:xfrm>
+          <a:prstGeom prst="rect">
+            <a:avLst/>
+          </a:prstGeom>
+          <a:noFill/>
+        </p:spPr>
+        <p:txBody>
+          <a:bodyPr wrap="none" rtlCol="0">
+            <a:spAutoFit/>
+          </a:bodyPr>
+          <a:lstStyle/>
+          <a:p>
+            <a:r>
+              <a:rPr lang="en-US" sz="600" dirty="0"/>
+              <a:t>*</a:t>
+            </a:r>
+          </a:p>
+        </p:txBody>
+      </p:sp>
+      <p:sp>
+        <p:nvSpPr>
+          <p:cNvPr id="77" name="TextBox 76">
+            <a:extLst>
+              <a:ext uri="{FF2B5EF4-FFF2-40B4-BE49-F238E27FC236}">
+                <a16:creationId xmlns:a16="http://schemas.microsoft.com/office/drawing/2014/main" id="{59F7851D-C0CD-0FF8-3AE7-DEF87360230B}"/>
+              </a:ext>
+            </a:extLst>
+          </p:cNvPr>
+          <p:cNvSpPr txBox="1"/>
+          <p:nvPr/>
+        </p:nvSpPr>
+        <p:spPr>
+          <a:xfrm>
+            <a:off x="773890" y="2463849"/>
+            <a:ext cx="177346" cy="184666"/>
+          </a:xfrm>
+          <a:prstGeom prst="rect">
+            <a:avLst/>
+          </a:prstGeom>
+          <a:noFill/>
+        </p:spPr>
+        <p:txBody>
+          <a:bodyPr wrap="none" rtlCol="0">
+            <a:spAutoFit/>
+          </a:bodyPr>
+          <a:lstStyle/>
+          <a:p>
+            <a:r>
+              <a:rPr lang="en-US" sz="600" dirty="0"/>
+              <a:t>*</a:t>
+            </a:r>
+          </a:p>
+        </p:txBody>
+      </p:sp>
+      <p:sp>
+        <p:nvSpPr>
+          <p:cNvPr id="78" name="TextBox 77">
+            <a:extLst>
+              <a:ext uri="{FF2B5EF4-FFF2-40B4-BE49-F238E27FC236}">
+                <a16:creationId xmlns:a16="http://schemas.microsoft.com/office/drawing/2014/main" id="{585C5CAC-A93E-A43B-7B3E-190359B6E2F1}"/>
+              </a:ext>
+            </a:extLst>
+          </p:cNvPr>
+          <p:cNvSpPr txBox="1"/>
+          <p:nvPr/>
+        </p:nvSpPr>
+        <p:spPr>
+          <a:xfrm>
+            <a:off x="882953" y="2463849"/>
+            <a:ext cx="177346" cy="184666"/>
+          </a:xfrm>
+          <a:prstGeom prst="rect">
+            <a:avLst/>
+          </a:prstGeom>
+          <a:noFill/>
+        </p:spPr>
+        <p:txBody>
+          <a:bodyPr wrap="square" rtlCol="0">
+            <a:spAutoFit/>
+          </a:bodyPr>
+          <a:lstStyle/>
+          <a:p>
+            <a:r>
+              <a:rPr lang="en-US" sz="600" dirty="0"/>
+              <a:t>*</a:t>
+            </a:r>
+          </a:p>
+        </p:txBody>
+      </p:sp>
+      <p:sp>
+        <p:nvSpPr>
+          <p:cNvPr id="79" name="TextBox 78">
+            <a:extLst>
+              <a:ext uri="{FF2B5EF4-FFF2-40B4-BE49-F238E27FC236}">
+                <a16:creationId xmlns:a16="http://schemas.microsoft.com/office/drawing/2014/main" id="{85489CE1-537C-C755-C1F2-0FABA1E37C29}"/>
+              </a:ext>
+            </a:extLst>
+          </p:cNvPr>
+          <p:cNvSpPr txBox="1"/>
+          <p:nvPr/>
+        </p:nvSpPr>
+        <p:spPr>
+          <a:xfrm>
+            <a:off x="5103650" y="1733283"/>
+            <a:ext cx="1297150" cy="276999"/>
+          </a:xfrm>
+          <a:prstGeom prst="rect">
+            <a:avLst/>
+          </a:prstGeom>
+          <a:noFill/>
+        </p:spPr>
+        <p:txBody>
+          <a:bodyPr wrap="none" rtlCol="0">
+            <a:spAutoFit/>
+          </a:bodyPr>
           <a:lstStyle/>
           <a:p>
             <a:pPr algn="ctr"/>
-            <a:endParaRPr lang="en-US"/>
-          </a:p>
-        </p:txBody>
-      </p:sp>
-      <p:sp>
-        <p:nvSpPr>
-          <p:cNvPr id="5" name="Rectangle 4">
-            <a:extLst>
-              <a:ext uri="{FF2B5EF4-FFF2-40B4-BE49-F238E27FC236}">
-                <a16:creationId xmlns:a16="http://schemas.microsoft.com/office/drawing/2014/main" id="{475C0A3B-691C-B138-BE49-C5845BC33899}"/>
-              </a:ext>
-            </a:extLst>
-          </p:cNvPr>
-          <p:cNvSpPr/>
-          <p:nvPr/>
-        </p:nvSpPr>
-        <p:spPr>
-          <a:xfrm>
-            <a:off x="4650985" y="2392913"/>
-            <a:ext cx="45719" cy="1068997"/>
-          </a:xfrm>
-          <a:prstGeom prst="rect">
-            <a:avLst/>
-          </a:prstGeom>
-          <a:solidFill>
-            <a:schemeClr val="bg1"/>
-          </a:solidFill>
-          <a:ln>
-            <a:noFill/>
-          </a:ln>
-        </p:spPr>
-        <p:style>
-          <a:lnRef idx="2">
-            <a:schemeClr val="accent1">
-              <a:shade val="15000"/>
-            </a:schemeClr>
-          </a:lnRef>
-          <a:fillRef idx="1">
-            <a:schemeClr val="accent1"/>
-          </a:fillRef>
-          <a:effectRef idx="0">
-            <a:schemeClr val="accent1"/>
-          </a:effectRef>
-          <a:fontRef idx="minor">
-            <a:schemeClr val="lt1"/>
-          </a:fontRef>
-        </p:style>
-        <p:txBody>
-          <a:bodyPr rtlCol="0" anchor="ctr"/>
-          <a:lstStyle/>
+            <a:r>
+              <a:rPr lang="en-US" sz="600" b="1" dirty="0">
+                <a:latin typeface="Helvetica" pitchFamily="2" charset="0"/>
+              </a:rPr>
+              <a:t>CDS vs Non-Coding</a:t>
+            </a:r>
+          </a:p>
           <a:p>
             <a:pPr algn="ctr"/>
-            <a:endParaRPr lang="en-US"/>
+            <a:r>
+              <a:rPr lang="en-US" sz="600" b="1" dirty="0">
+                <a:latin typeface="Helvetica" pitchFamily="2" charset="0"/>
+              </a:rPr>
+              <a:t> </a:t>
+            </a:r>
+            <a:r>
+              <a:rPr lang="en-US" sz="600" dirty="0">
+                <a:latin typeface="Helvetica" pitchFamily="2" charset="0"/>
+              </a:rPr>
+              <a:t>X</a:t>
+            </a:r>
+            <a:r>
+              <a:rPr lang="en-US" sz="600" baseline="30000" dirty="0">
+                <a:latin typeface="Helvetica" pitchFamily="2" charset="0"/>
+              </a:rPr>
+              <a:t>2</a:t>
+            </a:r>
+            <a:r>
+              <a:rPr lang="en-US" sz="600" dirty="0">
+                <a:latin typeface="Helvetica" pitchFamily="2" charset="0"/>
+              </a:rPr>
+              <a:t> test, p = 0.81 (not significant)</a:t>
+            </a:r>
+            <a:endParaRPr lang="en-US" sz="600" baseline="30000" dirty="0">
+              <a:latin typeface="Helvetica" pitchFamily="2" charset="0"/>
+            </a:endParaRPr>
           </a:p>
         </p:txBody>
       </p:sp>

--- a/figures/Developmental_selection_figures.pptx
+++ b/figures/Developmental_selection_figures.pptx
@@ -4,6 +4,9 @@
   <p:sldMasterIdLst>
     <p:sldMasterId id="2147483660" r:id="rId1"/>
   </p:sldMasterIdLst>
+  <p:notesMasterIdLst>
+    <p:notesMasterId r:id="rId6"/>
+  </p:notesMasterIdLst>
   <p:sldIdLst>
     <p:sldId id="257" r:id="rId2"/>
     <p:sldId id="258" r:id="rId3"/>
@@ -113,6 +116,439 @@
     </p:ext>
   </p:extLst>
 </p:presentation>
+</file>
+
+<file path=ppt/notesMasters/notesMaster1.xml><?xml version="1.0" encoding="utf-8"?>
+<p:notesMaster xmlns:a="http://schemas.openxmlformats.org/drawingml/2006/main" xmlns:r="http://schemas.openxmlformats.org/officeDocument/2006/relationships" xmlns:p="http://schemas.openxmlformats.org/presentationml/2006/main">
+  <p:cSld>
+    <p:bg>
+      <p:bgRef idx="1001">
+        <a:schemeClr val="bg1"/>
+      </p:bgRef>
+    </p:bg>
+    <p:spTree>
+      <p:nvGrpSpPr>
+        <p:cNvPr id="1" name=""/>
+        <p:cNvGrpSpPr/>
+        <p:nvPr/>
+      </p:nvGrpSpPr>
+      <p:grpSpPr>
+        <a:xfrm>
+          <a:off x="0" y="0"/>
+          <a:ext cx="0" cy="0"/>
+          <a:chOff x="0" y="0"/>
+          <a:chExt cx="0" cy="0"/>
+        </a:xfrm>
+      </p:grpSpPr>
+      <p:sp>
+        <p:nvSpPr>
+          <p:cNvPr id="2" name="Header Placeholder 1"/>
+          <p:cNvSpPr>
+            <a:spLocks noGrp="1"/>
+          </p:cNvSpPr>
+          <p:nvPr>
+            <p:ph type="hdr" sz="quarter"/>
+          </p:nvPr>
+        </p:nvSpPr>
+        <p:spPr>
+          <a:xfrm>
+            <a:off x="0" y="0"/>
+            <a:ext cx="2971800" cy="458788"/>
+          </a:xfrm>
+          <a:prstGeom prst="rect">
+            <a:avLst/>
+          </a:prstGeom>
+        </p:spPr>
+        <p:txBody>
+          <a:bodyPr vert="horz" lIns="91440" tIns="45720" rIns="91440" bIns="45720" rtlCol="0"/>
+          <a:lstStyle>
+            <a:lvl1pPr algn="l">
+              <a:defRPr sz="1200"/>
+            </a:lvl1pPr>
+          </a:lstStyle>
+          <a:p>
+            <a:endParaRPr lang="en-US"/>
+          </a:p>
+        </p:txBody>
+      </p:sp>
+      <p:sp>
+        <p:nvSpPr>
+          <p:cNvPr id="3" name="Date Placeholder 2"/>
+          <p:cNvSpPr>
+            <a:spLocks noGrp="1"/>
+          </p:cNvSpPr>
+          <p:nvPr>
+            <p:ph type="dt" idx="1"/>
+          </p:nvPr>
+        </p:nvSpPr>
+        <p:spPr>
+          <a:xfrm>
+            <a:off x="3884613" y="0"/>
+            <a:ext cx="2971800" cy="458788"/>
+          </a:xfrm>
+          <a:prstGeom prst="rect">
+            <a:avLst/>
+          </a:prstGeom>
+        </p:spPr>
+        <p:txBody>
+          <a:bodyPr vert="horz" lIns="91440" tIns="45720" rIns="91440" bIns="45720" rtlCol="0"/>
+          <a:lstStyle>
+            <a:lvl1pPr algn="r">
+              <a:defRPr sz="1200"/>
+            </a:lvl1pPr>
+          </a:lstStyle>
+          <a:p>
+            <a:fld id="{49517FB8-18C6-1B45-8896-BAFC0AEE2DB0}" type="datetimeFigureOut">
+              <a:rPr lang="en-US" smtClean="0"/>
+              <a:t>10/31/25</a:t>
+            </a:fld>
+            <a:endParaRPr lang="en-US"/>
+          </a:p>
+        </p:txBody>
+      </p:sp>
+      <p:sp>
+        <p:nvSpPr>
+          <p:cNvPr id="4" name="Slide Image Placeholder 3"/>
+          <p:cNvSpPr>
+            <a:spLocks noGrp="1" noRot="1" noChangeAspect="1"/>
+          </p:cNvSpPr>
+          <p:nvPr>
+            <p:ph type="sldImg" idx="2"/>
+          </p:nvPr>
+        </p:nvSpPr>
+        <p:spPr>
+          <a:xfrm>
+            <a:off x="2349500" y="1143000"/>
+            <a:ext cx="2159000" cy="3086100"/>
+          </a:xfrm>
+          <a:prstGeom prst="rect">
+            <a:avLst/>
+          </a:prstGeom>
+          <a:noFill/>
+          <a:ln w="12700">
+            <a:solidFill>
+              <a:prstClr val="black"/>
+            </a:solidFill>
+          </a:ln>
+        </p:spPr>
+        <p:txBody>
+          <a:bodyPr vert="horz" lIns="91440" tIns="45720" rIns="91440" bIns="45720" rtlCol="0" anchor="ctr"/>
+          <a:lstStyle/>
+          <a:p>
+            <a:endParaRPr lang="en-US"/>
+          </a:p>
+        </p:txBody>
+      </p:sp>
+      <p:sp>
+        <p:nvSpPr>
+          <p:cNvPr id="5" name="Notes Placeholder 4"/>
+          <p:cNvSpPr>
+            <a:spLocks noGrp="1"/>
+          </p:cNvSpPr>
+          <p:nvPr>
+            <p:ph type="body" sz="quarter" idx="3"/>
+          </p:nvPr>
+        </p:nvSpPr>
+        <p:spPr>
+          <a:xfrm>
+            <a:off x="685800" y="4400550"/>
+            <a:ext cx="5486400" cy="3600450"/>
+          </a:xfrm>
+          <a:prstGeom prst="rect">
+            <a:avLst/>
+          </a:prstGeom>
+        </p:spPr>
+        <p:txBody>
+          <a:bodyPr vert="horz" lIns="91440" tIns="45720" rIns="91440" bIns="45720" rtlCol="0"/>
+          <a:lstStyle/>
+          <a:p>
+            <a:pPr lvl="0"/>
+            <a:r>
+              <a:rPr lang="en-US"/>
+              <a:t>Click to edit Master text styles</a:t>
+            </a:r>
+          </a:p>
+          <a:p>
+            <a:pPr lvl="1"/>
+            <a:r>
+              <a:rPr lang="en-US"/>
+              <a:t>Second level</a:t>
+            </a:r>
+          </a:p>
+          <a:p>
+            <a:pPr lvl="2"/>
+            <a:r>
+              <a:rPr lang="en-US"/>
+              <a:t>Third level</a:t>
+            </a:r>
+          </a:p>
+          <a:p>
+            <a:pPr lvl="3"/>
+            <a:r>
+              <a:rPr lang="en-US"/>
+              <a:t>Fourth level</a:t>
+            </a:r>
+          </a:p>
+          <a:p>
+            <a:pPr lvl="4"/>
+            <a:r>
+              <a:rPr lang="en-US"/>
+              <a:t>Fifth level</a:t>
+            </a:r>
+          </a:p>
+        </p:txBody>
+      </p:sp>
+      <p:sp>
+        <p:nvSpPr>
+          <p:cNvPr id="6" name="Footer Placeholder 5"/>
+          <p:cNvSpPr>
+            <a:spLocks noGrp="1"/>
+          </p:cNvSpPr>
+          <p:nvPr>
+            <p:ph type="ftr" sz="quarter" idx="4"/>
+          </p:nvPr>
+        </p:nvSpPr>
+        <p:spPr>
+          <a:xfrm>
+            <a:off x="0" y="8685213"/>
+            <a:ext cx="2971800" cy="458787"/>
+          </a:xfrm>
+          <a:prstGeom prst="rect">
+            <a:avLst/>
+          </a:prstGeom>
+        </p:spPr>
+        <p:txBody>
+          <a:bodyPr vert="horz" lIns="91440" tIns="45720" rIns="91440" bIns="45720" rtlCol="0" anchor="b"/>
+          <a:lstStyle>
+            <a:lvl1pPr algn="l">
+              <a:defRPr sz="1200"/>
+            </a:lvl1pPr>
+          </a:lstStyle>
+          <a:p>
+            <a:endParaRPr lang="en-US"/>
+          </a:p>
+        </p:txBody>
+      </p:sp>
+      <p:sp>
+        <p:nvSpPr>
+          <p:cNvPr id="7" name="Slide Number Placeholder 6"/>
+          <p:cNvSpPr>
+            <a:spLocks noGrp="1"/>
+          </p:cNvSpPr>
+          <p:nvPr>
+            <p:ph type="sldNum" sz="quarter" idx="5"/>
+          </p:nvPr>
+        </p:nvSpPr>
+        <p:spPr>
+          <a:xfrm>
+            <a:off x="3884613" y="8685213"/>
+            <a:ext cx="2971800" cy="458787"/>
+          </a:xfrm>
+          <a:prstGeom prst="rect">
+            <a:avLst/>
+          </a:prstGeom>
+        </p:spPr>
+        <p:txBody>
+          <a:bodyPr vert="horz" lIns="91440" tIns="45720" rIns="91440" bIns="45720" rtlCol="0" anchor="b"/>
+          <a:lstStyle>
+            <a:lvl1pPr algn="r">
+              <a:defRPr sz="1200"/>
+            </a:lvl1pPr>
+          </a:lstStyle>
+          <a:p>
+            <a:fld id="{3E7702FF-44C0-0741-A270-23AC6EFB6502}" type="slidenum">
+              <a:rPr lang="en-US" smtClean="0"/>
+              <a:t>‹#›</a:t>
+            </a:fld>
+            <a:endParaRPr lang="en-US"/>
+          </a:p>
+        </p:txBody>
+      </p:sp>
+    </p:spTree>
+    <p:extLst>
+      <p:ext uri="{BB962C8B-B14F-4D97-AF65-F5344CB8AC3E}">
+        <p14:creationId xmlns:p14="http://schemas.microsoft.com/office/powerpoint/2010/main" val="3615278872"/>
+      </p:ext>
+    </p:extLst>
+  </p:cSld>
+  <p:clrMap bg1="lt1" tx1="dk1" bg2="lt2" tx2="dk2" accent1="accent1" accent2="accent2" accent3="accent3" accent4="accent4" accent5="accent5" accent6="accent6" hlink="hlink" folHlink="folHlink"/>
+  <p:notesStyle>
+    <a:lvl1pPr marL="0" algn="l" defTabSz="914400" rtl="0" eaLnBrk="1" latinLnBrk="0" hangingPunct="1">
+      <a:defRPr sz="1200" kern="1200">
+        <a:solidFill>
+          <a:schemeClr val="tx1"/>
+        </a:solidFill>
+        <a:latin typeface="+mn-lt"/>
+        <a:ea typeface="+mn-ea"/>
+        <a:cs typeface="+mn-cs"/>
+      </a:defRPr>
+    </a:lvl1pPr>
+    <a:lvl2pPr marL="457200" algn="l" defTabSz="914400" rtl="0" eaLnBrk="1" latinLnBrk="0" hangingPunct="1">
+      <a:defRPr sz="1200" kern="1200">
+        <a:solidFill>
+          <a:schemeClr val="tx1"/>
+        </a:solidFill>
+        <a:latin typeface="+mn-lt"/>
+        <a:ea typeface="+mn-ea"/>
+        <a:cs typeface="+mn-cs"/>
+      </a:defRPr>
+    </a:lvl2pPr>
+    <a:lvl3pPr marL="914400" algn="l" defTabSz="914400" rtl="0" eaLnBrk="1" latinLnBrk="0" hangingPunct="1">
+      <a:defRPr sz="1200" kern="1200">
+        <a:solidFill>
+          <a:schemeClr val="tx1"/>
+        </a:solidFill>
+        <a:latin typeface="+mn-lt"/>
+        <a:ea typeface="+mn-ea"/>
+        <a:cs typeface="+mn-cs"/>
+      </a:defRPr>
+    </a:lvl3pPr>
+    <a:lvl4pPr marL="1371600" algn="l" defTabSz="914400" rtl="0" eaLnBrk="1" latinLnBrk="0" hangingPunct="1">
+      <a:defRPr sz="1200" kern="1200">
+        <a:solidFill>
+          <a:schemeClr val="tx1"/>
+        </a:solidFill>
+        <a:latin typeface="+mn-lt"/>
+        <a:ea typeface="+mn-ea"/>
+        <a:cs typeface="+mn-cs"/>
+      </a:defRPr>
+    </a:lvl4pPr>
+    <a:lvl5pPr marL="1828800" algn="l" defTabSz="914400" rtl="0" eaLnBrk="1" latinLnBrk="0" hangingPunct="1">
+      <a:defRPr sz="1200" kern="1200">
+        <a:solidFill>
+          <a:schemeClr val="tx1"/>
+        </a:solidFill>
+        <a:latin typeface="+mn-lt"/>
+        <a:ea typeface="+mn-ea"/>
+        <a:cs typeface="+mn-cs"/>
+      </a:defRPr>
+    </a:lvl5pPr>
+    <a:lvl6pPr marL="2286000" algn="l" defTabSz="914400" rtl="0" eaLnBrk="1" latinLnBrk="0" hangingPunct="1">
+      <a:defRPr sz="1200" kern="1200">
+        <a:solidFill>
+          <a:schemeClr val="tx1"/>
+        </a:solidFill>
+        <a:latin typeface="+mn-lt"/>
+        <a:ea typeface="+mn-ea"/>
+        <a:cs typeface="+mn-cs"/>
+      </a:defRPr>
+    </a:lvl6pPr>
+    <a:lvl7pPr marL="2743200" algn="l" defTabSz="914400" rtl="0" eaLnBrk="1" latinLnBrk="0" hangingPunct="1">
+      <a:defRPr sz="1200" kern="1200">
+        <a:solidFill>
+          <a:schemeClr val="tx1"/>
+        </a:solidFill>
+        <a:latin typeface="+mn-lt"/>
+        <a:ea typeface="+mn-ea"/>
+        <a:cs typeface="+mn-cs"/>
+      </a:defRPr>
+    </a:lvl7pPr>
+    <a:lvl8pPr marL="3200400" algn="l" defTabSz="914400" rtl="0" eaLnBrk="1" latinLnBrk="0" hangingPunct="1">
+      <a:defRPr sz="1200" kern="1200">
+        <a:solidFill>
+          <a:schemeClr val="tx1"/>
+        </a:solidFill>
+        <a:latin typeface="+mn-lt"/>
+        <a:ea typeface="+mn-ea"/>
+        <a:cs typeface="+mn-cs"/>
+      </a:defRPr>
+    </a:lvl8pPr>
+    <a:lvl9pPr marL="3657600" algn="l" defTabSz="914400" rtl="0" eaLnBrk="1" latinLnBrk="0" hangingPunct="1">
+      <a:defRPr sz="1200" kern="1200">
+        <a:solidFill>
+          <a:schemeClr val="tx1"/>
+        </a:solidFill>
+        <a:latin typeface="+mn-lt"/>
+        <a:ea typeface="+mn-ea"/>
+        <a:cs typeface="+mn-cs"/>
+      </a:defRPr>
+    </a:lvl9pPr>
+  </p:notesStyle>
+</p:notesMaster>
+</file>
+
+<file path=ppt/notesSlides/notesSlide1.xml><?xml version="1.0" encoding="utf-8"?>
+<p:notes xmlns:a="http://schemas.openxmlformats.org/drawingml/2006/main" xmlns:r="http://schemas.openxmlformats.org/officeDocument/2006/relationships" xmlns:p="http://schemas.openxmlformats.org/presentationml/2006/main">
+  <p:cSld>
+    <p:spTree>
+      <p:nvGrpSpPr>
+        <p:cNvPr id="1" name=""/>
+        <p:cNvGrpSpPr/>
+        <p:nvPr/>
+      </p:nvGrpSpPr>
+      <p:grpSpPr>
+        <a:xfrm>
+          <a:off x="0" y="0"/>
+          <a:ext cx="0" cy="0"/>
+          <a:chOff x="0" y="0"/>
+          <a:chExt cx="0" cy="0"/>
+        </a:xfrm>
+      </p:grpSpPr>
+      <p:sp>
+        <p:nvSpPr>
+          <p:cNvPr id="2" name="Slide Image Placeholder 1"/>
+          <p:cNvSpPr>
+            <a:spLocks noGrp="1" noRot="1" noChangeAspect="1"/>
+          </p:cNvSpPr>
+          <p:nvPr>
+            <p:ph type="sldImg"/>
+          </p:nvPr>
+        </p:nvSpPr>
+        <p:spPr/>
+      </p:sp>
+      <p:sp>
+        <p:nvSpPr>
+          <p:cNvPr id="3" name="Notes Placeholder 2"/>
+          <p:cNvSpPr>
+            <a:spLocks noGrp="1"/>
+          </p:cNvSpPr>
+          <p:nvPr>
+            <p:ph type="body" idx="1"/>
+          </p:nvPr>
+        </p:nvSpPr>
+        <p:spPr/>
+        <p:txBody>
+          <a:bodyPr/>
+          <a:lstStyle/>
+          <a:p>
+            <a:endParaRPr lang="en-US" dirty="0"/>
+          </a:p>
+        </p:txBody>
+      </p:sp>
+      <p:sp>
+        <p:nvSpPr>
+          <p:cNvPr id="4" name="Slide Number Placeholder 3"/>
+          <p:cNvSpPr>
+            <a:spLocks noGrp="1"/>
+          </p:cNvSpPr>
+          <p:nvPr>
+            <p:ph type="sldNum" sz="quarter" idx="5"/>
+          </p:nvPr>
+        </p:nvSpPr>
+        <p:spPr/>
+        <p:txBody>
+          <a:bodyPr/>
+          <a:lstStyle/>
+          <a:p>
+            <a:fld id="{3E7702FF-44C0-0741-A270-23AC6EFB6502}" type="slidenum">
+              <a:rPr lang="en-US" smtClean="0"/>
+              <a:t>4</a:t>
+            </a:fld>
+            <a:endParaRPr lang="en-US"/>
+          </a:p>
+        </p:txBody>
+      </p:sp>
+    </p:spTree>
+    <p:extLst>
+      <p:ext uri="{BB962C8B-B14F-4D97-AF65-F5344CB8AC3E}">
+        <p14:creationId xmlns:p14="http://schemas.microsoft.com/office/powerpoint/2010/main" val="1919839231"/>
+      </p:ext>
+    </p:extLst>
+  </p:cSld>
+  <p:clrMapOvr>
+    <a:masterClrMapping/>
+  </p:clrMapOvr>
+</p:notes>
 </file>
 
 <file path=ppt/slideLayouts/slideLayout1.xml><?xml version="1.0" encoding="utf-8"?>
@@ -3623,7 +4059,7 @@
             </a:r>
             <a:r>
               <a:rPr lang="en-US" sz="1050" i="1" dirty="0"/>
-              <a:t>would be we be able to detect selection?</a:t>
+              <a:t>would we be able to detect selection?</a:t>
             </a:r>
             <a:r>
               <a:rPr lang="en-US" sz="1050" dirty="0"/>
@@ -4693,7 +5129,7 @@
             </a:r>
             <a:r>
               <a:rPr lang="en-US" sz="1050" dirty="0"/>
-              <a:t>Genic mutation fraction vs. nonsynonymous/synonymous (NS/S) ratio for individual Arabidopsis MA datasets (points with 95% bootstrapped CIs, B = 1,000). The vertical dashed line (NS/S = 2.74, dark red) is the neutral expectation from spectrum × codon use; the horizontal dashed line (0.51, dark red) is the genome-wide genic fraction. All datasets fall below the genic expectation (consistent with a genic mutation bias), but all NS/S CIs overlap the neutral expectation (i.e. we do not detect systematic purifying selection on coding mutations in any dataset). Genic fraction and NS/S were not correlated across datasets: those with a lower fraction of mutations in genes did not show a correspondingly lower NS/S ratio.</a:t>
+              <a:t>Genic mutation fraction vs. nonsynonymous/synonymous (NS/S) ratio for individual Arabidopsis MA datasets (points with 95% bootstrapped CIs, B = 1,000). The vertical dashed line (NS/S = 2.71) is the neutral expectation from spectrum × codon use; the horizontal dashed line (0.501) is the genome-wide genic fraction. All datasets fall below the genic expectation (consistent with a genic mutation bias), but all NS/S CIs overlap the neutral expectation (i.e. we do not detect systematic purifying selection on coding mutations in any dataset). Genic fraction and NS/S were not correlated across datasets: those with a lower fraction of mutations in genes did not show a correspondingly lower NS/S ratio.</a:t>
             </a:r>
           </a:p>
         </p:txBody>
@@ -4773,7 +5209,7 @@
           <p:nvPr/>
         </p:nvPicPr>
         <p:blipFill>
-          <a:blip r:embed="rId2"/>
+          <a:blip r:embed="rId3"/>
           <a:stretch>
             <a:fillRect/>
           </a:stretch>
@@ -4863,7 +5299,7 @@
           <p:nvPr/>
         </p:nvPicPr>
         <p:blipFill>
-          <a:blip r:embed="rId3"/>
+          <a:blip r:embed="rId4"/>
           <a:stretch>
             <a:fillRect/>
           </a:stretch>
@@ -4893,7 +5329,7 @@
           <p:nvPr/>
         </p:nvPicPr>
         <p:blipFill>
-          <a:blip r:embed="rId4"/>
+          <a:blip r:embed="rId5"/>
           <a:stretch>
             <a:fillRect/>
           </a:stretch>
@@ -4983,7 +5419,7 @@
           <p:nvPr/>
         </p:nvPicPr>
         <p:blipFill rotWithShape="1">
-          <a:blip r:embed="rId5"/>
+          <a:blip r:embed="rId6"/>
           <a:srcRect r="35519"/>
           <a:stretch/>
         </p:blipFill>
@@ -5171,7 +5607,7 @@
           <p:nvPr/>
         </p:nvPicPr>
         <p:blipFill rotWithShape="1">
-          <a:blip r:embed="rId6"/>
+          <a:blip r:embed="rId7"/>
           <a:srcRect l="67599" t="31866" r="-4171" b="29200"/>
           <a:stretch/>
         </p:blipFill>
@@ -5500,7 +5936,7 @@
         </p:nvSpPr>
         <p:spPr>
           <a:xfrm>
-            <a:off x="1980073" y="0"/>
+            <a:off x="1999324" y="0"/>
             <a:ext cx="248194" cy="230832"/>
           </a:xfrm>
           <a:prstGeom prst="rect">
@@ -5765,7 +6201,7 @@
           <p:nvPr/>
         </p:nvPicPr>
         <p:blipFill>
-          <a:blip r:embed="rId7"/>
+          <a:blip r:embed="rId8"/>
           <a:stretch>
             <a:fillRect/>
           </a:stretch>
@@ -6055,7 +6491,7 @@
           <p:nvPr/>
         </p:nvPicPr>
         <p:blipFill>
-          <a:blip r:embed="rId8"/>
+          <a:blip r:embed="rId9"/>
           <a:stretch>
             <a:fillRect/>
           </a:stretch>
@@ -6524,7 +6960,7 @@
           <p:nvPr/>
         </p:nvPicPr>
         <p:blipFill>
-          <a:blip r:embed="rId9">
+          <a:blip r:embed="rId10">
             <a:clrChange>
               <a:clrFrom>
                 <a:srgbClr val="FFFFFF"/>
@@ -7084,4 +7520,319 @@
     </a:ext>
   </a:extLst>
 </a:theme>
+</file>
+
+<file path=ppt/theme/theme2.xml><?xml version="1.0" encoding="utf-8"?>
+<a:theme xmlns:a="http://schemas.openxmlformats.org/drawingml/2006/main" name="Office Theme">
+  <a:themeElements>
+    <a:clrScheme name="Office">
+      <a:dk1>
+        <a:sysClr val="windowText" lastClr="000000"/>
+      </a:dk1>
+      <a:lt1>
+        <a:sysClr val="window" lastClr="FFFFFF"/>
+      </a:lt1>
+      <a:dk2>
+        <a:srgbClr val="0E2841"/>
+      </a:dk2>
+      <a:lt2>
+        <a:srgbClr val="E8E8E8"/>
+      </a:lt2>
+      <a:accent1>
+        <a:srgbClr val="156082"/>
+      </a:accent1>
+      <a:accent2>
+        <a:srgbClr val="E97132"/>
+      </a:accent2>
+      <a:accent3>
+        <a:srgbClr val="196B24"/>
+      </a:accent3>
+      <a:accent4>
+        <a:srgbClr val="0F9ED5"/>
+      </a:accent4>
+      <a:accent5>
+        <a:srgbClr val="A02B93"/>
+      </a:accent5>
+      <a:accent6>
+        <a:srgbClr val="4EA72E"/>
+      </a:accent6>
+      <a:hlink>
+        <a:srgbClr val="467886"/>
+      </a:hlink>
+      <a:folHlink>
+        <a:srgbClr val="96607D"/>
+      </a:folHlink>
+    </a:clrScheme>
+    <a:fontScheme name="Office">
+      <a:majorFont>
+        <a:latin typeface="Aptos Display" panose="02110004020202020204"/>
+        <a:ea typeface=""/>
+        <a:cs typeface=""/>
+        <a:font script="Jpan" typeface="游ゴシック Light"/>
+        <a:font script="Hang" typeface="맑은 고딕"/>
+        <a:font script="Hans" typeface="等线 Light"/>
+        <a:font script="Hant" typeface="新細明體"/>
+        <a:font script="Arab" typeface="Times New Roman"/>
+        <a:font script="Hebr" typeface="Times New Roman"/>
+        <a:font script="Thai" typeface="Angsana New"/>
+        <a:font script="Ethi" typeface="Nyala"/>
+        <a:font script="Beng" typeface="Vrinda"/>
+        <a:font script="Gujr" typeface="Shruti"/>
+        <a:font script="Khmr" typeface="MoolBoran"/>
+        <a:font script="Knda" typeface="Tunga"/>
+        <a:font script="Guru" typeface="Raavi"/>
+        <a:font script="Cans" typeface="Euphemia"/>
+        <a:font script="Cher" typeface="Plantagenet Cherokee"/>
+        <a:font script="Yiii" typeface="Microsoft Yi Baiti"/>
+        <a:font script="Tibt" typeface="Microsoft Himalaya"/>
+        <a:font script="Thaa" typeface="MV Boli"/>
+        <a:font script="Deva" typeface="Mangal"/>
+        <a:font script="Telu" typeface="Gautami"/>
+        <a:font script="Taml" typeface="Latha"/>
+        <a:font script="Syrc" typeface="Estrangelo Edessa"/>
+        <a:font script="Orya" typeface="Kalinga"/>
+        <a:font script="Mlym" typeface="Kartika"/>
+        <a:font script="Laoo" typeface="DokChampa"/>
+        <a:font script="Sinh" typeface="Iskoola Pota"/>
+        <a:font script="Mong" typeface="Mongolian Baiti"/>
+        <a:font script="Viet" typeface="Times New Roman"/>
+        <a:font script="Uigh" typeface="Microsoft Uighur"/>
+        <a:font script="Geor" typeface="Sylfaen"/>
+        <a:font script="Armn" typeface="Arial"/>
+        <a:font script="Bugi" typeface="Leelawadee UI"/>
+        <a:font script="Bopo" typeface="Microsoft JhengHei"/>
+        <a:font script="Java" typeface="Javanese Text"/>
+        <a:font script="Lisu" typeface="Segoe UI"/>
+        <a:font script="Mymr" typeface="Myanmar Text"/>
+        <a:font script="Nkoo" typeface="Ebrima"/>
+        <a:font script="Olck" typeface="Nirmala UI"/>
+        <a:font script="Osma" typeface="Ebrima"/>
+        <a:font script="Phag" typeface="Phagspa"/>
+        <a:font script="Syrn" typeface="Estrangelo Edessa"/>
+        <a:font script="Syrj" typeface="Estrangelo Edessa"/>
+        <a:font script="Syre" typeface="Estrangelo Edessa"/>
+        <a:font script="Sora" typeface="Nirmala UI"/>
+        <a:font script="Tale" typeface="Microsoft Tai Le"/>
+        <a:font script="Talu" typeface="Microsoft New Tai Lue"/>
+        <a:font script="Tfng" typeface="Ebrima"/>
+      </a:majorFont>
+      <a:minorFont>
+        <a:latin typeface="Aptos" panose="02110004020202020204"/>
+        <a:ea typeface=""/>
+        <a:cs typeface=""/>
+        <a:font script="Jpan" typeface="游ゴシック"/>
+        <a:font script="Hang" typeface="맑은 고딕"/>
+        <a:font script="Hans" typeface="等线"/>
+        <a:font script="Hant" typeface="新細明體"/>
+        <a:font script="Arab" typeface="Arial"/>
+        <a:font script="Hebr" typeface="Arial"/>
+        <a:font script="Thai" typeface="Cordia New"/>
+        <a:font script="Ethi" typeface="Nyala"/>
+        <a:font script="Beng" typeface="Vrinda"/>
+        <a:font script="Gujr" typeface="Shruti"/>
+        <a:font script="Khmr" typeface="DaunPenh"/>
+        <a:font script="Knda" typeface="Tunga"/>
+        <a:font script="Guru" typeface="Raavi"/>
+        <a:font script="Cans" typeface="Euphemia"/>
+        <a:font script="Cher" typeface="Plantagenet Cherokee"/>
+        <a:font script="Yiii" typeface="Microsoft Yi Baiti"/>
+        <a:font script="Tibt" typeface="Microsoft Himalaya"/>
+        <a:font script="Thaa" typeface="MV Boli"/>
+        <a:font script="Deva" typeface="Mangal"/>
+        <a:font script="Telu" typeface="Gautami"/>
+        <a:font script="Taml" typeface="Latha"/>
+        <a:font script="Syrc" typeface="Estrangelo Edessa"/>
+        <a:font script="Orya" typeface="Kalinga"/>
+        <a:font script="Mlym" typeface="Kartika"/>
+        <a:font script="Laoo" typeface="DokChampa"/>
+        <a:font script="Sinh" typeface="Iskoola Pota"/>
+        <a:font script="Mong" typeface="Mongolian Baiti"/>
+        <a:font script="Viet" typeface="Arial"/>
+        <a:font script="Uigh" typeface="Microsoft Uighur"/>
+        <a:font script="Geor" typeface="Sylfaen"/>
+        <a:font script="Armn" typeface="Arial"/>
+        <a:font script="Bugi" typeface="Leelawadee UI"/>
+        <a:font script="Bopo" typeface="Microsoft JhengHei"/>
+        <a:font script="Java" typeface="Javanese Text"/>
+        <a:font script="Lisu" typeface="Segoe UI"/>
+        <a:font script="Mymr" typeface="Myanmar Text"/>
+        <a:font script="Nkoo" typeface="Ebrima"/>
+        <a:font script="Olck" typeface="Nirmala UI"/>
+        <a:font script="Osma" typeface="Ebrima"/>
+        <a:font script="Phag" typeface="Phagspa"/>
+        <a:font script="Syrn" typeface="Estrangelo Edessa"/>
+        <a:font script="Syrj" typeface="Estrangelo Edessa"/>
+        <a:font script="Syre" typeface="Estrangelo Edessa"/>
+        <a:font script="Sora" typeface="Nirmala UI"/>
+        <a:font script="Tale" typeface="Microsoft Tai Le"/>
+        <a:font script="Talu" typeface="Microsoft New Tai Lue"/>
+        <a:font script="Tfng" typeface="Ebrima"/>
+      </a:minorFont>
+    </a:fontScheme>
+    <a:fmtScheme name="Office">
+      <a:fillStyleLst>
+        <a:solidFill>
+          <a:schemeClr val="phClr"/>
+        </a:solidFill>
+        <a:gradFill rotWithShape="1">
+          <a:gsLst>
+            <a:gs pos="0">
+              <a:schemeClr val="phClr">
+                <a:lumMod val="110000"/>
+                <a:satMod val="105000"/>
+                <a:tint val="67000"/>
+              </a:schemeClr>
+            </a:gs>
+            <a:gs pos="50000">
+              <a:schemeClr val="phClr">
+                <a:lumMod val="105000"/>
+                <a:satMod val="103000"/>
+                <a:tint val="73000"/>
+              </a:schemeClr>
+            </a:gs>
+            <a:gs pos="100000">
+              <a:schemeClr val="phClr">
+                <a:lumMod val="105000"/>
+                <a:satMod val="109000"/>
+                <a:tint val="81000"/>
+              </a:schemeClr>
+            </a:gs>
+          </a:gsLst>
+          <a:lin ang="5400000" scaled="0"/>
+        </a:gradFill>
+        <a:gradFill rotWithShape="1">
+          <a:gsLst>
+            <a:gs pos="0">
+              <a:schemeClr val="phClr">
+                <a:satMod val="103000"/>
+                <a:lumMod val="102000"/>
+                <a:tint val="94000"/>
+              </a:schemeClr>
+            </a:gs>
+            <a:gs pos="50000">
+              <a:schemeClr val="phClr">
+                <a:satMod val="110000"/>
+                <a:lumMod val="100000"/>
+                <a:shade val="100000"/>
+              </a:schemeClr>
+            </a:gs>
+            <a:gs pos="100000">
+              <a:schemeClr val="phClr">
+                <a:lumMod val="99000"/>
+                <a:satMod val="120000"/>
+                <a:shade val="78000"/>
+              </a:schemeClr>
+            </a:gs>
+          </a:gsLst>
+          <a:lin ang="5400000" scaled="0"/>
+        </a:gradFill>
+      </a:fillStyleLst>
+      <a:lnStyleLst>
+        <a:ln w="12700" cap="flat" cmpd="sng" algn="ctr">
+          <a:solidFill>
+            <a:schemeClr val="phClr"/>
+          </a:solidFill>
+          <a:prstDash val="solid"/>
+          <a:miter lim="800000"/>
+        </a:ln>
+        <a:ln w="19050" cap="flat" cmpd="sng" algn="ctr">
+          <a:solidFill>
+            <a:schemeClr val="phClr"/>
+          </a:solidFill>
+          <a:prstDash val="solid"/>
+          <a:miter lim="800000"/>
+        </a:ln>
+        <a:ln w="25400" cap="flat" cmpd="sng" algn="ctr">
+          <a:solidFill>
+            <a:schemeClr val="phClr"/>
+          </a:solidFill>
+          <a:prstDash val="solid"/>
+          <a:miter lim="800000"/>
+        </a:ln>
+      </a:lnStyleLst>
+      <a:effectStyleLst>
+        <a:effectStyle>
+          <a:effectLst/>
+        </a:effectStyle>
+        <a:effectStyle>
+          <a:effectLst/>
+        </a:effectStyle>
+        <a:effectStyle>
+          <a:effectLst>
+            <a:outerShdw blurRad="57150" dist="19050" dir="5400000" algn="ctr" rotWithShape="0">
+              <a:srgbClr val="000000">
+                <a:alpha val="63000"/>
+              </a:srgbClr>
+            </a:outerShdw>
+          </a:effectLst>
+        </a:effectStyle>
+      </a:effectStyleLst>
+      <a:bgFillStyleLst>
+        <a:solidFill>
+          <a:schemeClr val="phClr"/>
+        </a:solidFill>
+        <a:solidFill>
+          <a:schemeClr val="phClr">
+            <a:tint val="95000"/>
+            <a:satMod val="170000"/>
+          </a:schemeClr>
+        </a:solidFill>
+        <a:gradFill rotWithShape="1">
+          <a:gsLst>
+            <a:gs pos="0">
+              <a:schemeClr val="phClr">
+                <a:tint val="93000"/>
+                <a:satMod val="150000"/>
+                <a:shade val="98000"/>
+                <a:lumMod val="102000"/>
+              </a:schemeClr>
+            </a:gs>
+            <a:gs pos="50000">
+              <a:schemeClr val="phClr">
+                <a:tint val="98000"/>
+                <a:satMod val="130000"/>
+                <a:shade val="90000"/>
+                <a:lumMod val="103000"/>
+              </a:schemeClr>
+            </a:gs>
+            <a:gs pos="100000">
+              <a:schemeClr val="phClr">
+                <a:shade val="63000"/>
+                <a:satMod val="120000"/>
+              </a:schemeClr>
+            </a:gs>
+          </a:gsLst>
+          <a:lin ang="5400000" scaled="0"/>
+        </a:gradFill>
+      </a:bgFillStyleLst>
+    </a:fmtScheme>
+  </a:themeElements>
+  <a:objectDefaults>
+    <a:lnDef>
+      <a:spPr/>
+      <a:bodyPr/>
+      <a:lstStyle/>
+      <a:style>
+        <a:lnRef idx="2">
+          <a:schemeClr val="accent1"/>
+        </a:lnRef>
+        <a:fillRef idx="0">
+          <a:schemeClr val="accent1"/>
+        </a:fillRef>
+        <a:effectRef idx="1">
+          <a:schemeClr val="accent1"/>
+        </a:effectRef>
+        <a:fontRef idx="minor">
+          <a:schemeClr val="tx1"/>
+        </a:fontRef>
+      </a:style>
+    </a:lnDef>
+  </a:objectDefaults>
+  <a:extraClrSchemeLst/>
+  <a:extLst>
+    <a:ext uri="{05A4C25C-085E-4340-85A3-A5531E510DB2}">
+      <thm15:themeFamily xmlns:thm15="http://schemas.microsoft.com/office/thememl/2012/main" name="Office Theme" id="{2E142A2C-CD16-42D6-873A-C26D2A0506FA}" vid="{1BDDFF52-6CD6-40A5-AB3C-68EB2F1E4D0A}"/>
+    </a:ext>
+  </a:extLst>
+</a:theme>
 </file>